--- a/NumPy_Pandas_Polars/03_Polars/images/PhotoEditing.pptx
+++ b/NumPy_Pandas_Polars/03_Polars/images/PhotoEditing.pptx
@@ -233,7 +233,7 @@
           <a:p>
             <a:fld id="{6908E669-12A3-A845-B5E9-EAB24FA64E18}" type="datetimeFigureOut">
               <a:rPr lang="en-US" smtClean="0"/>
-              <a:t>2/17/25</a:t>
+              <a:t>2/18/25</a:t>
             </a:fld>
             <a:endParaRPr lang="en-US"/>
           </a:p>
@@ -815,7 +815,7 @@
           <a:p>
             <a:fld id="{06857C8E-A195-864F-A3BB-9D78FD8382B2}" type="datetimeFigureOut">
               <a:rPr lang="en-US" smtClean="0"/>
-              <a:t>2/17/25</a:t>
+              <a:t>2/18/25</a:t>
             </a:fld>
             <a:endParaRPr lang="en-US"/>
           </a:p>
@@ -1013,7 +1013,7 @@
           <a:p>
             <a:fld id="{06857C8E-A195-864F-A3BB-9D78FD8382B2}" type="datetimeFigureOut">
               <a:rPr lang="en-US" smtClean="0"/>
-              <a:t>2/17/25</a:t>
+              <a:t>2/18/25</a:t>
             </a:fld>
             <a:endParaRPr lang="en-US"/>
           </a:p>
@@ -1221,7 +1221,7 @@
           <a:p>
             <a:fld id="{06857C8E-A195-864F-A3BB-9D78FD8382B2}" type="datetimeFigureOut">
               <a:rPr lang="en-US" smtClean="0"/>
-              <a:t>2/17/25</a:t>
+              <a:t>2/18/25</a:t>
             </a:fld>
             <a:endParaRPr lang="en-US"/>
           </a:p>
@@ -1419,7 +1419,7 @@
           <a:p>
             <a:fld id="{06857C8E-A195-864F-A3BB-9D78FD8382B2}" type="datetimeFigureOut">
               <a:rPr lang="en-US" smtClean="0"/>
-              <a:t>2/17/25</a:t>
+              <a:t>2/18/25</a:t>
             </a:fld>
             <a:endParaRPr lang="en-US"/>
           </a:p>
@@ -1694,7 +1694,7 @@
           <a:p>
             <a:fld id="{06857C8E-A195-864F-A3BB-9D78FD8382B2}" type="datetimeFigureOut">
               <a:rPr lang="en-US" smtClean="0"/>
-              <a:t>2/17/25</a:t>
+              <a:t>2/18/25</a:t>
             </a:fld>
             <a:endParaRPr lang="en-US"/>
           </a:p>
@@ -1959,7 +1959,7 @@
           <a:p>
             <a:fld id="{06857C8E-A195-864F-A3BB-9D78FD8382B2}" type="datetimeFigureOut">
               <a:rPr lang="en-US" smtClean="0"/>
-              <a:t>2/17/25</a:t>
+              <a:t>2/18/25</a:t>
             </a:fld>
             <a:endParaRPr lang="en-US"/>
           </a:p>
@@ -2371,7 +2371,7 @@
           <a:p>
             <a:fld id="{06857C8E-A195-864F-A3BB-9D78FD8382B2}" type="datetimeFigureOut">
               <a:rPr lang="en-US" smtClean="0"/>
-              <a:t>2/17/25</a:t>
+              <a:t>2/18/25</a:t>
             </a:fld>
             <a:endParaRPr lang="en-US"/>
           </a:p>
@@ -2512,7 +2512,7 @@
           <a:p>
             <a:fld id="{06857C8E-A195-864F-A3BB-9D78FD8382B2}" type="datetimeFigureOut">
               <a:rPr lang="en-US" smtClean="0"/>
-              <a:t>2/17/25</a:t>
+              <a:t>2/18/25</a:t>
             </a:fld>
             <a:endParaRPr lang="en-US"/>
           </a:p>
@@ -2625,7 +2625,7 @@
           <a:p>
             <a:fld id="{06857C8E-A195-864F-A3BB-9D78FD8382B2}" type="datetimeFigureOut">
               <a:rPr lang="en-US" smtClean="0"/>
-              <a:t>2/17/25</a:t>
+              <a:t>2/18/25</a:t>
             </a:fld>
             <a:endParaRPr lang="en-US"/>
           </a:p>
@@ -2936,7 +2936,7 @@
           <a:p>
             <a:fld id="{06857C8E-A195-864F-A3BB-9D78FD8382B2}" type="datetimeFigureOut">
               <a:rPr lang="en-US" smtClean="0"/>
-              <a:t>2/17/25</a:t>
+              <a:t>2/18/25</a:t>
             </a:fld>
             <a:endParaRPr lang="en-US"/>
           </a:p>
@@ -3224,7 +3224,7 @@
           <a:p>
             <a:fld id="{06857C8E-A195-864F-A3BB-9D78FD8382B2}" type="datetimeFigureOut">
               <a:rPr lang="en-US" smtClean="0"/>
-              <a:t>2/17/25</a:t>
+              <a:t>2/18/25</a:t>
             </a:fld>
             <a:endParaRPr lang="en-US"/>
           </a:p>
@@ -3465,7 +3465,7 @@
           <a:p>
             <a:fld id="{06857C8E-A195-864F-A3BB-9D78FD8382B2}" type="datetimeFigureOut">
               <a:rPr lang="en-US" smtClean="0"/>
-              <a:t>2/17/25</a:t>
+              <a:t>2/18/25</a:t>
             </a:fld>
             <a:endParaRPr lang="en-US"/>
           </a:p>
@@ -13401,1746 +13401,1767 @@
           </a:p>
         </p:txBody>
       </p:sp>
-      <p:sp>
-        <p:nvSpPr>
-          <p:cNvPr id="96" name="Rectangle 95">
+      <p:grpSp>
+        <p:nvGrpSpPr>
+          <p:cNvPr id="5" name="Group 4">
             <a:extLst>
               <a:ext uri="{FF2B5EF4-FFF2-40B4-BE49-F238E27FC236}">
-                <a16:creationId xmlns:a16="http://schemas.microsoft.com/office/drawing/2014/main" id="{3AA4B546-1722-6042-AD37-D58D7E8DCED3}"/>
+                <a16:creationId xmlns:a16="http://schemas.microsoft.com/office/drawing/2014/main" id="{5A8F52A3-6A98-661A-233B-161BCB930513}"/>
               </a:ext>
             </a:extLst>
           </p:cNvPr>
-          <p:cNvSpPr/>
+          <p:cNvGrpSpPr/>
           <p:nvPr/>
-        </p:nvSpPr>
-        <p:spPr>
+        </p:nvGrpSpPr>
+        <p:grpSpPr>
           <a:xfrm>
-            <a:off x="6702244" y="1755787"/>
-            <a:ext cx="1959538" cy="3030830"/>
+            <a:off x="4033054" y="1755787"/>
+            <a:ext cx="4628728" cy="3596689"/>
+            <a:chOff x="4033054" y="1755787"/>
+            <a:chExt cx="4628728" cy="3596689"/>
           </a:xfrm>
-          <a:prstGeom prst="rect">
-            <a:avLst/>
-          </a:prstGeom>
-          <a:solidFill>
-            <a:srgbClr val="C3D2EC"/>
-          </a:solidFill>
-          <a:ln w="15875">
+        </p:grpSpPr>
+        <p:sp>
+          <p:nvSpPr>
+            <p:cNvPr id="96" name="Rectangle 95">
+              <a:extLst>
+                <a:ext uri="{FF2B5EF4-FFF2-40B4-BE49-F238E27FC236}">
+                  <a16:creationId xmlns:a16="http://schemas.microsoft.com/office/drawing/2014/main" id="{3AA4B546-1722-6042-AD37-D58D7E8DCED3}"/>
+                </a:ext>
+              </a:extLst>
+            </p:cNvPr>
+            <p:cNvSpPr/>
+            <p:nvPr/>
+          </p:nvSpPr>
+          <p:spPr>
+            <a:xfrm>
+              <a:off x="6702244" y="1755787"/>
+              <a:ext cx="1959538" cy="3030830"/>
+            </a:xfrm>
+            <a:prstGeom prst="rect">
+              <a:avLst/>
+            </a:prstGeom>
             <a:solidFill>
-              <a:schemeClr val="tx1"/>
+              <a:srgbClr val="C3D2EC"/>
             </a:solidFill>
-          </a:ln>
-        </p:spPr>
-        <p:style>
-          <a:lnRef idx="2">
-            <a:schemeClr val="accent1">
-              <a:shade val="50000"/>
-            </a:schemeClr>
-          </a:lnRef>
-          <a:fillRef idx="1">
-            <a:schemeClr val="accent1"/>
-          </a:fillRef>
-          <a:effectRef idx="0">
-            <a:schemeClr val="accent1"/>
-          </a:effectRef>
-          <a:fontRef idx="minor">
-            <a:schemeClr val="lt1"/>
-          </a:fontRef>
-        </p:style>
-        <p:txBody>
-          <a:bodyPr lIns="9144" tIns="9144" rIns="9144" bIns="9144" rtlCol="0" anchor="ctr"/>
-          <a:lstStyle/>
-          <a:p>
-            <a:pPr algn="ctr"/>
-            <a:endParaRPr lang="en-US" sz="1300" b="1" dirty="0">
+            <a:ln w="15875">
               <a:solidFill>
                 <a:schemeClr val="tx1"/>
               </a:solidFill>
-            </a:endParaRPr>
-          </a:p>
-        </p:txBody>
-      </p:sp>
-      <p:sp>
-        <p:nvSpPr>
-          <p:cNvPr id="38" name="Rectangle 37">
-            <a:extLst>
-              <a:ext uri="{FF2B5EF4-FFF2-40B4-BE49-F238E27FC236}">
-                <a16:creationId xmlns:a16="http://schemas.microsoft.com/office/drawing/2014/main" id="{615893B4-BE58-114F-8BD3-1AB2117F16E1}"/>
-              </a:ext>
-            </a:extLst>
-          </p:cNvPr>
-          <p:cNvSpPr/>
-          <p:nvPr/>
-        </p:nvSpPr>
-        <p:spPr>
-          <a:xfrm>
-            <a:off x="6877145" y="3334255"/>
-            <a:ext cx="402435" cy="304406"/>
-          </a:xfrm>
-          <a:prstGeom prst="rect">
-            <a:avLst/>
-          </a:prstGeom>
-          <a:solidFill>
-            <a:srgbClr val="7C9BD6"/>
-          </a:solidFill>
-          <a:ln w="25400">
-            <a:solidFill>
-              <a:schemeClr val="tx1"/>
-            </a:solidFill>
-          </a:ln>
-        </p:spPr>
-        <p:style>
-          <a:lnRef idx="2">
-            <a:schemeClr val="accent1">
-              <a:shade val="50000"/>
-            </a:schemeClr>
-          </a:lnRef>
-          <a:fillRef idx="1">
-            <a:schemeClr val="accent1"/>
-          </a:fillRef>
-          <a:effectRef idx="0">
-            <a:schemeClr val="accent1"/>
-          </a:effectRef>
-          <a:fontRef idx="minor">
-            <a:schemeClr val="lt1"/>
-          </a:fontRef>
-        </p:style>
-        <p:txBody>
-          <a:bodyPr lIns="9144" tIns="9144" rIns="9144" bIns="9144" rtlCol="0" anchor="ctr"/>
-          <a:lstStyle/>
-          <a:p>
-            <a:pPr algn="ctr"/>
-            <a:r>
-              <a:rPr lang="en-US" sz="1300" b="1" dirty="0">
+            </a:ln>
+          </p:spPr>
+          <p:style>
+            <a:lnRef idx="2">
+              <a:schemeClr val="accent1">
+                <a:shade val="50000"/>
+              </a:schemeClr>
+            </a:lnRef>
+            <a:fillRef idx="1">
+              <a:schemeClr val="accent1"/>
+            </a:fillRef>
+            <a:effectRef idx="0">
+              <a:schemeClr val="accent1"/>
+            </a:effectRef>
+            <a:fontRef idx="minor">
+              <a:schemeClr val="lt1"/>
+            </a:fontRef>
+          </p:style>
+          <p:txBody>
+            <a:bodyPr lIns="9144" tIns="9144" rIns="9144" bIns="9144" rtlCol="0" anchor="ctr"/>
+            <a:lstStyle/>
+            <a:p>
+              <a:pPr algn="ctr"/>
+              <a:endParaRPr lang="en-US" sz="1300" b="1" dirty="0">
                 <a:solidFill>
                   <a:schemeClr val="tx1"/>
                 </a:solidFill>
-              </a:rPr>
-              <a:t>Core</a:t>
-            </a:r>
-          </a:p>
-        </p:txBody>
-      </p:sp>
-      <p:sp>
-        <p:nvSpPr>
-          <p:cNvPr id="39" name="Rectangle 38">
-            <a:extLst>
-              <a:ext uri="{FF2B5EF4-FFF2-40B4-BE49-F238E27FC236}">
-                <a16:creationId xmlns:a16="http://schemas.microsoft.com/office/drawing/2014/main" id="{6719A122-EEB3-8C44-949F-5630F23A398C}"/>
-              </a:ext>
-            </a:extLst>
-          </p:cNvPr>
-          <p:cNvSpPr/>
-          <p:nvPr/>
-        </p:nvSpPr>
-        <p:spPr>
-          <a:xfrm>
-            <a:off x="7279580" y="3334256"/>
-            <a:ext cx="402435" cy="304406"/>
-          </a:xfrm>
-          <a:prstGeom prst="rect">
-            <a:avLst/>
-          </a:prstGeom>
-          <a:solidFill>
-            <a:srgbClr val="7C9BD6"/>
-          </a:solidFill>
-          <a:ln w="25400">
+              </a:endParaRPr>
+            </a:p>
+          </p:txBody>
+        </p:sp>
+        <p:sp>
+          <p:nvSpPr>
+            <p:cNvPr id="38" name="Rectangle 37">
+              <a:extLst>
+                <a:ext uri="{FF2B5EF4-FFF2-40B4-BE49-F238E27FC236}">
+                  <a16:creationId xmlns:a16="http://schemas.microsoft.com/office/drawing/2014/main" id="{615893B4-BE58-114F-8BD3-1AB2117F16E1}"/>
+                </a:ext>
+              </a:extLst>
+            </p:cNvPr>
+            <p:cNvSpPr/>
+            <p:nvPr/>
+          </p:nvSpPr>
+          <p:spPr>
+            <a:xfrm>
+              <a:off x="6877145" y="3334255"/>
+              <a:ext cx="402435" cy="304406"/>
+            </a:xfrm>
+            <a:prstGeom prst="rect">
+              <a:avLst/>
+            </a:prstGeom>
             <a:solidFill>
+              <a:srgbClr val="7C9BD6"/>
+            </a:solidFill>
+            <a:ln w="25400">
+              <a:solidFill>
+                <a:schemeClr val="tx1"/>
+              </a:solidFill>
+            </a:ln>
+          </p:spPr>
+          <p:style>
+            <a:lnRef idx="2">
+              <a:schemeClr val="accent1">
+                <a:shade val="50000"/>
+              </a:schemeClr>
+            </a:lnRef>
+            <a:fillRef idx="1">
+              <a:schemeClr val="accent1"/>
+            </a:fillRef>
+            <a:effectRef idx="0">
+              <a:schemeClr val="accent1"/>
+            </a:effectRef>
+            <a:fontRef idx="minor">
+              <a:schemeClr val="lt1"/>
+            </a:fontRef>
+          </p:style>
+          <p:txBody>
+            <a:bodyPr lIns="9144" tIns="9144" rIns="9144" bIns="9144" rtlCol="0" anchor="ctr"/>
+            <a:lstStyle/>
+            <a:p>
+              <a:pPr algn="ctr"/>
+              <a:r>
+                <a:rPr lang="en-US" sz="1300" b="1" dirty="0">
+                  <a:solidFill>
+                    <a:schemeClr val="tx1"/>
+                  </a:solidFill>
+                </a:rPr>
+                <a:t>Core</a:t>
+              </a:r>
+            </a:p>
+          </p:txBody>
+        </p:sp>
+        <p:sp>
+          <p:nvSpPr>
+            <p:cNvPr id="39" name="Rectangle 38">
+              <a:extLst>
+                <a:ext uri="{FF2B5EF4-FFF2-40B4-BE49-F238E27FC236}">
+                  <a16:creationId xmlns:a16="http://schemas.microsoft.com/office/drawing/2014/main" id="{6719A122-EEB3-8C44-949F-5630F23A398C}"/>
+                </a:ext>
+              </a:extLst>
+            </p:cNvPr>
+            <p:cNvSpPr/>
+            <p:nvPr/>
+          </p:nvSpPr>
+          <p:spPr>
+            <a:xfrm>
+              <a:off x="7279580" y="3334256"/>
+              <a:ext cx="402435" cy="304406"/>
+            </a:xfrm>
+            <a:prstGeom prst="rect">
+              <a:avLst/>
+            </a:prstGeom>
+            <a:solidFill>
+              <a:srgbClr val="7C9BD6"/>
+            </a:solidFill>
+            <a:ln w="25400">
+              <a:solidFill>
+                <a:schemeClr val="tx1"/>
+              </a:solidFill>
+            </a:ln>
+          </p:spPr>
+          <p:style>
+            <a:lnRef idx="2">
+              <a:schemeClr val="accent1">
+                <a:shade val="50000"/>
+              </a:schemeClr>
+            </a:lnRef>
+            <a:fillRef idx="1">
+              <a:schemeClr val="accent1"/>
+            </a:fillRef>
+            <a:effectRef idx="0">
+              <a:schemeClr val="accent1"/>
+            </a:effectRef>
+            <a:fontRef idx="minor">
+              <a:schemeClr val="lt1"/>
+            </a:fontRef>
+          </p:style>
+          <p:txBody>
+            <a:bodyPr lIns="9144" tIns="9144" rIns="9144" bIns="9144" rtlCol="0" anchor="ctr"/>
+            <a:lstStyle/>
+            <a:p>
+              <a:pPr algn="ctr"/>
+              <a:r>
+                <a:rPr lang="en-US" sz="1300" b="1" dirty="0">
+                  <a:solidFill>
+                    <a:schemeClr val="tx1"/>
+                  </a:solidFill>
+                </a:rPr>
+                <a:t>Core</a:t>
+              </a:r>
+            </a:p>
+          </p:txBody>
+        </p:sp>
+        <p:sp>
+          <p:nvSpPr>
+            <p:cNvPr id="40" name="Rectangle 39">
+              <a:extLst>
+                <a:ext uri="{FF2B5EF4-FFF2-40B4-BE49-F238E27FC236}">
+                  <a16:creationId xmlns:a16="http://schemas.microsoft.com/office/drawing/2014/main" id="{C2373829-FE73-604B-BAFA-565FD10F2EC0}"/>
+                </a:ext>
+              </a:extLst>
+            </p:cNvPr>
+            <p:cNvSpPr/>
+            <p:nvPr/>
+          </p:nvSpPr>
+          <p:spPr>
+            <a:xfrm>
+              <a:off x="6877144" y="3643910"/>
+              <a:ext cx="402435" cy="304406"/>
+            </a:xfrm>
+            <a:prstGeom prst="rect">
+              <a:avLst/>
+            </a:prstGeom>
+            <a:solidFill>
+              <a:srgbClr val="7C9BD6"/>
+            </a:solidFill>
+            <a:ln w="25400">
+              <a:solidFill>
+                <a:schemeClr val="tx1"/>
+              </a:solidFill>
+            </a:ln>
+          </p:spPr>
+          <p:style>
+            <a:lnRef idx="2">
+              <a:schemeClr val="accent1">
+                <a:shade val="50000"/>
+              </a:schemeClr>
+            </a:lnRef>
+            <a:fillRef idx="1">
+              <a:schemeClr val="accent1"/>
+            </a:fillRef>
+            <a:effectRef idx="0">
+              <a:schemeClr val="accent1"/>
+            </a:effectRef>
+            <a:fontRef idx="minor">
+              <a:schemeClr val="lt1"/>
+            </a:fontRef>
+          </p:style>
+          <p:txBody>
+            <a:bodyPr lIns="9144" tIns="9144" rIns="9144" bIns="9144" rtlCol="0" anchor="ctr"/>
+            <a:lstStyle/>
+            <a:p>
+              <a:pPr algn="ctr"/>
+              <a:r>
+                <a:rPr lang="en-US" sz="1300" b="1" dirty="0">
+                  <a:solidFill>
+                    <a:schemeClr val="tx1"/>
+                  </a:solidFill>
+                </a:rPr>
+                <a:t>Core</a:t>
+              </a:r>
+            </a:p>
+          </p:txBody>
+        </p:sp>
+        <p:sp>
+          <p:nvSpPr>
+            <p:cNvPr id="41" name="Rectangle 40">
+              <a:extLst>
+                <a:ext uri="{FF2B5EF4-FFF2-40B4-BE49-F238E27FC236}">
+                  <a16:creationId xmlns:a16="http://schemas.microsoft.com/office/drawing/2014/main" id="{4643FD29-1610-3E4A-8266-9CCC6B94813C}"/>
+                </a:ext>
+              </a:extLst>
+            </p:cNvPr>
+            <p:cNvSpPr/>
+            <p:nvPr/>
+          </p:nvSpPr>
+          <p:spPr>
+            <a:xfrm>
+              <a:off x="7279579" y="3643910"/>
+              <a:ext cx="402435" cy="304406"/>
+            </a:xfrm>
+            <a:prstGeom prst="rect">
+              <a:avLst/>
+            </a:prstGeom>
+            <a:solidFill>
+              <a:srgbClr val="7C9BD6"/>
+            </a:solidFill>
+            <a:ln w="25400">
+              <a:solidFill>
+                <a:schemeClr val="tx1"/>
+              </a:solidFill>
+            </a:ln>
+          </p:spPr>
+          <p:style>
+            <a:lnRef idx="2">
+              <a:schemeClr val="accent1">
+                <a:shade val="50000"/>
+              </a:schemeClr>
+            </a:lnRef>
+            <a:fillRef idx="1">
+              <a:schemeClr val="accent1"/>
+            </a:fillRef>
+            <a:effectRef idx="0">
+              <a:schemeClr val="accent1"/>
+            </a:effectRef>
+            <a:fontRef idx="minor">
+              <a:schemeClr val="lt1"/>
+            </a:fontRef>
+          </p:style>
+          <p:txBody>
+            <a:bodyPr lIns="9144" tIns="9144" rIns="9144" bIns="9144" rtlCol="0" anchor="ctr"/>
+            <a:lstStyle/>
+            <a:p>
+              <a:pPr algn="ctr"/>
+              <a:r>
+                <a:rPr lang="en-US" sz="1300" b="1" dirty="0">
+                  <a:solidFill>
+                    <a:schemeClr val="tx1"/>
+                  </a:solidFill>
+                </a:rPr>
+                <a:t>Core</a:t>
+              </a:r>
+            </a:p>
+          </p:txBody>
+        </p:sp>
+        <p:sp>
+          <p:nvSpPr>
+            <p:cNvPr id="64" name="TextBox 63">
+              <a:extLst>
+                <a:ext uri="{FF2B5EF4-FFF2-40B4-BE49-F238E27FC236}">
+                  <a16:creationId xmlns:a16="http://schemas.microsoft.com/office/drawing/2014/main" id="{42646803-01C2-0540-9451-2C510F7CC702}"/>
+                </a:ext>
+              </a:extLst>
+            </p:cNvPr>
+            <p:cNvSpPr txBox="1"/>
+            <p:nvPr/>
+          </p:nvSpPr>
+          <p:spPr>
+            <a:xfrm>
+              <a:off x="7076426" y="4872345"/>
+              <a:ext cx="1237182" cy="480131"/>
+            </a:xfrm>
+            <a:prstGeom prst="rect">
+              <a:avLst/>
+            </a:prstGeom>
+            <a:noFill/>
+          </p:spPr>
+          <p:txBody>
+            <a:bodyPr wrap="square" lIns="9144" tIns="9144" rIns="9144" bIns="9144" rtlCol="0">
+              <a:spAutoFit/>
+            </a:bodyPr>
+            <a:lstStyle/>
+            <a:p>
+              <a:pPr algn="ctr"/>
+              <a:r>
+                <a:rPr lang="en-US" sz="1500" dirty="0"/>
+                <a:t>Cloud Computing</a:t>
+              </a:r>
+            </a:p>
+          </p:txBody>
+        </p:sp>
+        <p:sp>
+          <p:nvSpPr>
+            <p:cNvPr id="63" name="Rectangle 62">
+              <a:extLst>
+                <a:ext uri="{FF2B5EF4-FFF2-40B4-BE49-F238E27FC236}">
+                  <a16:creationId xmlns:a16="http://schemas.microsoft.com/office/drawing/2014/main" id="{26729C64-4F6F-574F-B994-ABB63FF958FC}"/>
+                </a:ext>
+              </a:extLst>
+            </p:cNvPr>
+            <p:cNvSpPr/>
+            <p:nvPr/>
+          </p:nvSpPr>
+          <p:spPr>
+            <a:xfrm>
+              <a:off x="6877144" y="3948315"/>
+              <a:ext cx="402435" cy="304406"/>
+            </a:xfrm>
+            <a:prstGeom prst="rect">
+              <a:avLst/>
+            </a:prstGeom>
+            <a:solidFill>
+              <a:srgbClr val="7C9BD6"/>
+            </a:solidFill>
+            <a:ln w="25400">
+              <a:solidFill>
+                <a:schemeClr val="tx1"/>
+              </a:solidFill>
+            </a:ln>
+          </p:spPr>
+          <p:style>
+            <a:lnRef idx="2">
+              <a:schemeClr val="accent1">
+                <a:shade val="50000"/>
+              </a:schemeClr>
+            </a:lnRef>
+            <a:fillRef idx="1">
+              <a:schemeClr val="accent1"/>
+            </a:fillRef>
+            <a:effectRef idx="0">
+              <a:schemeClr val="accent1"/>
+            </a:effectRef>
+            <a:fontRef idx="minor">
+              <a:schemeClr val="lt1"/>
+            </a:fontRef>
+          </p:style>
+          <p:txBody>
+            <a:bodyPr lIns="9144" tIns="9144" rIns="9144" bIns="9144" rtlCol="0" anchor="ctr"/>
+            <a:lstStyle/>
+            <a:p>
+              <a:pPr algn="ctr"/>
+              <a:r>
+                <a:rPr lang="en-US" sz="1300" b="1" dirty="0">
+                  <a:solidFill>
+                    <a:schemeClr val="tx1"/>
+                  </a:solidFill>
+                </a:rPr>
+                <a:t>Core</a:t>
+              </a:r>
+            </a:p>
+          </p:txBody>
+        </p:sp>
+        <p:sp>
+          <p:nvSpPr>
+            <p:cNvPr id="65" name="Rectangle 64">
+              <a:extLst>
+                <a:ext uri="{FF2B5EF4-FFF2-40B4-BE49-F238E27FC236}">
+                  <a16:creationId xmlns:a16="http://schemas.microsoft.com/office/drawing/2014/main" id="{C2F8F4F6-1798-074A-B1D5-95374277D4DF}"/>
+                </a:ext>
+              </a:extLst>
+            </p:cNvPr>
+            <p:cNvSpPr/>
+            <p:nvPr/>
+          </p:nvSpPr>
+          <p:spPr>
+            <a:xfrm>
+              <a:off x="7279579" y="3948316"/>
+              <a:ext cx="402435" cy="304406"/>
+            </a:xfrm>
+            <a:prstGeom prst="rect">
+              <a:avLst/>
+            </a:prstGeom>
+            <a:solidFill>
+              <a:srgbClr val="7C9BD6"/>
+            </a:solidFill>
+            <a:ln w="25400">
+              <a:solidFill>
+                <a:schemeClr val="tx1"/>
+              </a:solidFill>
+            </a:ln>
+          </p:spPr>
+          <p:style>
+            <a:lnRef idx="2">
+              <a:schemeClr val="accent1">
+                <a:shade val="50000"/>
+              </a:schemeClr>
+            </a:lnRef>
+            <a:fillRef idx="1">
+              <a:schemeClr val="accent1"/>
+            </a:fillRef>
+            <a:effectRef idx="0">
+              <a:schemeClr val="accent1"/>
+            </a:effectRef>
+            <a:fontRef idx="minor">
+              <a:schemeClr val="lt1"/>
+            </a:fontRef>
+          </p:style>
+          <p:txBody>
+            <a:bodyPr lIns="9144" tIns="9144" rIns="9144" bIns="9144" rtlCol="0" anchor="ctr"/>
+            <a:lstStyle/>
+            <a:p>
+              <a:pPr algn="ctr"/>
+              <a:r>
+                <a:rPr lang="en-US" sz="1300" b="1" dirty="0">
+                  <a:solidFill>
+                    <a:schemeClr val="tx1"/>
+                  </a:solidFill>
+                </a:rPr>
+                <a:t>Core</a:t>
+              </a:r>
+            </a:p>
+          </p:txBody>
+        </p:sp>
+        <p:sp>
+          <p:nvSpPr>
+            <p:cNvPr id="66" name="Rectangle 65">
+              <a:extLst>
+                <a:ext uri="{FF2B5EF4-FFF2-40B4-BE49-F238E27FC236}">
+                  <a16:creationId xmlns:a16="http://schemas.microsoft.com/office/drawing/2014/main" id="{897AAF31-28C4-B54C-87BD-C2C75C700C7F}"/>
+                </a:ext>
+              </a:extLst>
+            </p:cNvPr>
+            <p:cNvSpPr/>
+            <p:nvPr/>
+          </p:nvSpPr>
+          <p:spPr>
+            <a:xfrm>
+              <a:off x="6877143" y="4257970"/>
+              <a:ext cx="402435" cy="304406"/>
+            </a:xfrm>
+            <a:prstGeom prst="rect">
+              <a:avLst/>
+            </a:prstGeom>
+            <a:solidFill>
+              <a:srgbClr val="7C9BD6"/>
+            </a:solidFill>
+            <a:ln w="25400">
+              <a:solidFill>
+                <a:schemeClr val="tx1"/>
+              </a:solidFill>
+            </a:ln>
+          </p:spPr>
+          <p:style>
+            <a:lnRef idx="2">
+              <a:schemeClr val="accent1">
+                <a:shade val="50000"/>
+              </a:schemeClr>
+            </a:lnRef>
+            <a:fillRef idx="1">
+              <a:schemeClr val="accent1"/>
+            </a:fillRef>
+            <a:effectRef idx="0">
+              <a:schemeClr val="accent1"/>
+            </a:effectRef>
+            <a:fontRef idx="minor">
+              <a:schemeClr val="lt1"/>
+            </a:fontRef>
+          </p:style>
+          <p:txBody>
+            <a:bodyPr lIns="9144" tIns="9144" rIns="9144" bIns="9144" rtlCol="0" anchor="ctr"/>
+            <a:lstStyle/>
+            <a:p>
+              <a:pPr algn="ctr"/>
+              <a:r>
+                <a:rPr lang="en-US" sz="1300" b="1" dirty="0">
+                  <a:solidFill>
+                    <a:schemeClr val="tx1"/>
+                  </a:solidFill>
+                </a:rPr>
+                <a:t>Core</a:t>
+              </a:r>
+            </a:p>
+          </p:txBody>
+        </p:sp>
+        <p:sp>
+          <p:nvSpPr>
+            <p:cNvPr id="67" name="Rectangle 66">
+              <a:extLst>
+                <a:ext uri="{FF2B5EF4-FFF2-40B4-BE49-F238E27FC236}">
+                  <a16:creationId xmlns:a16="http://schemas.microsoft.com/office/drawing/2014/main" id="{C026B100-0DF6-804B-8F8D-8AC181539E0C}"/>
+                </a:ext>
+              </a:extLst>
+            </p:cNvPr>
+            <p:cNvSpPr/>
+            <p:nvPr/>
+          </p:nvSpPr>
+          <p:spPr>
+            <a:xfrm>
+              <a:off x="7279578" y="4257970"/>
+              <a:ext cx="402435" cy="304406"/>
+            </a:xfrm>
+            <a:prstGeom prst="rect">
+              <a:avLst/>
+            </a:prstGeom>
+            <a:solidFill>
+              <a:srgbClr val="7C9BD6"/>
+            </a:solidFill>
+            <a:ln w="25400">
+              <a:solidFill>
+                <a:schemeClr val="tx1"/>
+              </a:solidFill>
+            </a:ln>
+          </p:spPr>
+          <p:style>
+            <a:lnRef idx="2">
+              <a:schemeClr val="accent1">
+                <a:shade val="50000"/>
+              </a:schemeClr>
+            </a:lnRef>
+            <a:fillRef idx="1">
+              <a:schemeClr val="accent1"/>
+            </a:fillRef>
+            <a:effectRef idx="0">
+              <a:schemeClr val="accent1"/>
+            </a:effectRef>
+            <a:fontRef idx="minor">
+              <a:schemeClr val="lt1"/>
+            </a:fontRef>
+          </p:style>
+          <p:txBody>
+            <a:bodyPr lIns="9144" tIns="9144" rIns="9144" bIns="9144" rtlCol="0" anchor="ctr"/>
+            <a:lstStyle/>
+            <a:p>
+              <a:pPr algn="ctr"/>
+              <a:r>
+                <a:rPr lang="en-US" sz="1300" b="1" dirty="0">
+                  <a:solidFill>
+                    <a:schemeClr val="tx1"/>
+                  </a:solidFill>
+                </a:rPr>
+                <a:t>Core</a:t>
+              </a:r>
+            </a:p>
+          </p:txBody>
+        </p:sp>
+        <p:sp>
+          <p:nvSpPr>
+            <p:cNvPr id="72" name="Rectangle 71">
+              <a:extLst>
+                <a:ext uri="{FF2B5EF4-FFF2-40B4-BE49-F238E27FC236}">
+                  <a16:creationId xmlns:a16="http://schemas.microsoft.com/office/drawing/2014/main" id="{550CAF52-A24A-9941-AC11-3630C4A7CCF1}"/>
+                </a:ext>
+              </a:extLst>
+            </p:cNvPr>
+            <p:cNvSpPr/>
+            <p:nvPr/>
+          </p:nvSpPr>
+          <p:spPr>
+            <a:xfrm>
+              <a:off x="7682014" y="3334254"/>
+              <a:ext cx="402435" cy="304406"/>
+            </a:xfrm>
+            <a:prstGeom prst="rect">
+              <a:avLst/>
+            </a:prstGeom>
+            <a:solidFill>
+              <a:srgbClr val="7C9BD6"/>
+            </a:solidFill>
+            <a:ln w="25400">
+              <a:solidFill>
+                <a:schemeClr val="tx1"/>
+              </a:solidFill>
+            </a:ln>
+          </p:spPr>
+          <p:style>
+            <a:lnRef idx="2">
+              <a:schemeClr val="accent1">
+                <a:shade val="50000"/>
+              </a:schemeClr>
+            </a:lnRef>
+            <a:fillRef idx="1">
+              <a:schemeClr val="accent1"/>
+            </a:fillRef>
+            <a:effectRef idx="0">
+              <a:schemeClr val="accent1"/>
+            </a:effectRef>
+            <a:fontRef idx="minor">
+              <a:schemeClr val="lt1"/>
+            </a:fontRef>
+          </p:style>
+          <p:txBody>
+            <a:bodyPr lIns="9144" tIns="9144" rIns="9144" bIns="9144" rtlCol="0" anchor="ctr"/>
+            <a:lstStyle/>
+            <a:p>
+              <a:pPr algn="ctr"/>
+              <a:r>
+                <a:rPr lang="en-US" sz="1300" b="1" dirty="0">
+                  <a:solidFill>
+                    <a:schemeClr val="tx1"/>
+                  </a:solidFill>
+                </a:rPr>
+                <a:t>Core</a:t>
+              </a:r>
+            </a:p>
+          </p:txBody>
+        </p:sp>
+        <p:sp>
+          <p:nvSpPr>
+            <p:cNvPr id="73" name="Rectangle 72">
+              <a:extLst>
+                <a:ext uri="{FF2B5EF4-FFF2-40B4-BE49-F238E27FC236}">
+                  <a16:creationId xmlns:a16="http://schemas.microsoft.com/office/drawing/2014/main" id="{D9BCB834-3823-1742-BB1B-702727318518}"/>
+                </a:ext>
+              </a:extLst>
+            </p:cNvPr>
+            <p:cNvSpPr/>
+            <p:nvPr/>
+          </p:nvSpPr>
+          <p:spPr>
+            <a:xfrm>
+              <a:off x="8084449" y="3334255"/>
+              <a:ext cx="402435" cy="304406"/>
+            </a:xfrm>
+            <a:prstGeom prst="rect">
+              <a:avLst/>
+            </a:prstGeom>
+            <a:solidFill>
+              <a:srgbClr val="7C9BD6"/>
+            </a:solidFill>
+            <a:ln w="25400">
+              <a:solidFill>
+                <a:schemeClr val="tx1"/>
+              </a:solidFill>
+            </a:ln>
+          </p:spPr>
+          <p:style>
+            <a:lnRef idx="2">
+              <a:schemeClr val="accent1">
+                <a:shade val="50000"/>
+              </a:schemeClr>
+            </a:lnRef>
+            <a:fillRef idx="1">
+              <a:schemeClr val="accent1"/>
+            </a:fillRef>
+            <a:effectRef idx="0">
+              <a:schemeClr val="accent1"/>
+            </a:effectRef>
+            <a:fontRef idx="minor">
+              <a:schemeClr val="lt1"/>
+            </a:fontRef>
+          </p:style>
+          <p:txBody>
+            <a:bodyPr lIns="9144" tIns="9144" rIns="9144" bIns="9144" rtlCol="0" anchor="ctr"/>
+            <a:lstStyle/>
+            <a:p>
+              <a:pPr algn="ctr"/>
+              <a:r>
+                <a:rPr lang="en-US" sz="1300" b="1" dirty="0">
+                  <a:solidFill>
+                    <a:schemeClr val="tx1"/>
+                  </a:solidFill>
+                </a:rPr>
+                <a:t>Core</a:t>
+              </a:r>
+            </a:p>
+          </p:txBody>
+        </p:sp>
+        <p:sp>
+          <p:nvSpPr>
+            <p:cNvPr id="74" name="Rectangle 73">
+              <a:extLst>
+                <a:ext uri="{FF2B5EF4-FFF2-40B4-BE49-F238E27FC236}">
+                  <a16:creationId xmlns:a16="http://schemas.microsoft.com/office/drawing/2014/main" id="{8F3AC5F0-3D8A-CC45-A477-7ED19BB60897}"/>
+                </a:ext>
+              </a:extLst>
+            </p:cNvPr>
+            <p:cNvSpPr/>
+            <p:nvPr/>
+          </p:nvSpPr>
+          <p:spPr>
+            <a:xfrm>
+              <a:off x="7682013" y="3643909"/>
+              <a:ext cx="402435" cy="304406"/>
+            </a:xfrm>
+            <a:prstGeom prst="rect">
+              <a:avLst/>
+            </a:prstGeom>
+            <a:solidFill>
+              <a:srgbClr val="7C9BD6"/>
+            </a:solidFill>
+            <a:ln w="25400">
+              <a:solidFill>
+                <a:schemeClr val="tx1"/>
+              </a:solidFill>
+            </a:ln>
+          </p:spPr>
+          <p:style>
+            <a:lnRef idx="2">
+              <a:schemeClr val="accent1">
+                <a:shade val="50000"/>
+              </a:schemeClr>
+            </a:lnRef>
+            <a:fillRef idx="1">
+              <a:schemeClr val="accent1"/>
+            </a:fillRef>
+            <a:effectRef idx="0">
+              <a:schemeClr val="accent1"/>
+            </a:effectRef>
+            <a:fontRef idx="minor">
+              <a:schemeClr val="lt1"/>
+            </a:fontRef>
+          </p:style>
+          <p:txBody>
+            <a:bodyPr lIns="9144" tIns="9144" rIns="9144" bIns="9144" rtlCol="0" anchor="ctr"/>
+            <a:lstStyle/>
+            <a:p>
+              <a:pPr algn="ctr"/>
+              <a:r>
+                <a:rPr lang="en-US" sz="1300" b="1" dirty="0">
+                  <a:solidFill>
+                    <a:schemeClr val="tx1"/>
+                  </a:solidFill>
+                </a:rPr>
+                <a:t>Core</a:t>
+              </a:r>
+            </a:p>
+          </p:txBody>
+        </p:sp>
+        <p:sp>
+          <p:nvSpPr>
+            <p:cNvPr id="75" name="Rectangle 74">
+              <a:extLst>
+                <a:ext uri="{FF2B5EF4-FFF2-40B4-BE49-F238E27FC236}">
+                  <a16:creationId xmlns:a16="http://schemas.microsoft.com/office/drawing/2014/main" id="{8A5051C0-5D6B-1F45-B957-B339DB714DF6}"/>
+                </a:ext>
+              </a:extLst>
+            </p:cNvPr>
+            <p:cNvSpPr/>
+            <p:nvPr/>
+          </p:nvSpPr>
+          <p:spPr>
+            <a:xfrm>
+              <a:off x="8084448" y="3643909"/>
+              <a:ext cx="402435" cy="304406"/>
+            </a:xfrm>
+            <a:prstGeom prst="rect">
+              <a:avLst/>
+            </a:prstGeom>
+            <a:solidFill>
+              <a:srgbClr val="7C9BD6"/>
+            </a:solidFill>
+            <a:ln w="25400">
+              <a:solidFill>
+                <a:schemeClr val="tx1"/>
+              </a:solidFill>
+            </a:ln>
+          </p:spPr>
+          <p:style>
+            <a:lnRef idx="2">
+              <a:schemeClr val="accent1">
+                <a:shade val="50000"/>
+              </a:schemeClr>
+            </a:lnRef>
+            <a:fillRef idx="1">
+              <a:schemeClr val="accent1"/>
+            </a:fillRef>
+            <a:effectRef idx="0">
+              <a:schemeClr val="accent1"/>
+            </a:effectRef>
+            <a:fontRef idx="minor">
+              <a:schemeClr val="lt1"/>
+            </a:fontRef>
+          </p:style>
+          <p:txBody>
+            <a:bodyPr lIns="9144" tIns="9144" rIns="9144" bIns="9144" rtlCol="0" anchor="ctr"/>
+            <a:lstStyle/>
+            <a:p>
+              <a:pPr algn="ctr"/>
+              <a:r>
+                <a:rPr lang="en-US" sz="1300" b="1" dirty="0">
+                  <a:solidFill>
+                    <a:schemeClr val="tx1"/>
+                  </a:solidFill>
+                </a:rPr>
+                <a:t>Core</a:t>
+              </a:r>
+            </a:p>
+          </p:txBody>
+        </p:sp>
+        <p:sp>
+          <p:nvSpPr>
+            <p:cNvPr id="76" name="Rectangle 75">
+              <a:extLst>
+                <a:ext uri="{FF2B5EF4-FFF2-40B4-BE49-F238E27FC236}">
+                  <a16:creationId xmlns:a16="http://schemas.microsoft.com/office/drawing/2014/main" id="{852B22A1-61B2-0840-804F-0098ABF791D0}"/>
+                </a:ext>
+              </a:extLst>
+            </p:cNvPr>
+            <p:cNvSpPr/>
+            <p:nvPr/>
+          </p:nvSpPr>
+          <p:spPr>
+            <a:xfrm>
+              <a:off x="7682014" y="3948314"/>
+              <a:ext cx="402435" cy="304406"/>
+            </a:xfrm>
+            <a:prstGeom prst="rect">
+              <a:avLst/>
+            </a:prstGeom>
+            <a:solidFill>
+              <a:srgbClr val="7C9BD6"/>
+            </a:solidFill>
+            <a:ln w="25400">
+              <a:solidFill>
+                <a:schemeClr val="tx1"/>
+              </a:solidFill>
+            </a:ln>
+          </p:spPr>
+          <p:style>
+            <a:lnRef idx="2">
+              <a:schemeClr val="accent1">
+                <a:shade val="50000"/>
+              </a:schemeClr>
+            </a:lnRef>
+            <a:fillRef idx="1">
+              <a:schemeClr val="accent1"/>
+            </a:fillRef>
+            <a:effectRef idx="0">
+              <a:schemeClr val="accent1"/>
+            </a:effectRef>
+            <a:fontRef idx="minor">
+              <a:schemeClr val="lt1"/>
+            </a:fontRef>
+          </p:style>
+          <p:txBody>
+            <a:bodyPr lIns="9144" tIns="9144" rIns="9144" bIns="9144" rtlCol="0" anchor="ctr"/>
+            <a:lstStyle/>
+            <a:p>
+              <a:pPr algn="ctr"/>
+              <a:r>
+                <a:rPr lang="en-US" sz="1300" b="1" dirty="0">
+                  <a:solidFill>
+                    <a:schemeClr val="tx1"/>
+                  </a:solidFill>
+                </a:rPr>
+                <a:t>Core</a:t>
+              </a:r>
+            </a:p>
+          </p:txBody>
+        </p:sp>
+        <p:sp>
+          <p:nvSpPr>
+            <p:cNvPr id="77" name="Rectangle 76">
+              <a:extLst>
+                <a:ext uri="{FF2B5EF4-FFF2-40B4-BE49-F238E27FC236}">
+                  <a16:creationId xmlns:a16="http://schemas.microsoft.com/office/drawing/2014/main" id="{47332347-01FC-2A47-8EA9-A6F5E4CA8BF6}"/>
+                </a:ext>
+              </a:extLst>
+            </p:cNvPr>
+            <p:cNvSpPr/>
+            <p:nvPr/>
+          </p:nvSpPr>
+          <p:spPr>
+            <a:xfrm>
+              <a:off x="8084449" y="3948315"/>
+              <a:ext cx="402435" cy="304406"/>
+            </a:xfrm>
+            <a:prstGeom prst="rect">
+              <a:avLst/>
+            </a:prstGeom>
+            <a:solidFill>
+              <a:srgbClr val="7C9BD6"/>
+            </a:solidFill>
+            <a:ln w="25400">
+              <a:solidFill>
+                <a:schemeClr val="tx1"/>
+              </a:solidFill>
+            </a:ln>
+          </p:spPr>
+          <p:style>
+            <a:lnRef idx="2">
+              <a:schemeClr val="accent1">
+                <a:shade val="50000"/>
+              </a:schemeClr>
+            </a:lnRef>
+            <a:fillRef idx="1">
+              <a:schemeClr val="accent1"/>
+            </a:fillRef>
+            <a:effectRef idx="0">
+              <a:schemeClr val="accent1"/>
+            </a:effectRef>
+            <a:fontRef idx="minor">
+              <a:schemeClr val="lt1"/>
+            </a:fontRef>
+          </p:style>
+          <p:txBody>
+            <a:bodyPr lIns="9144" tIns="9144" rIns="9144" bIns="9144" rtlCol="0" anchor="ctr"/>
+            <a:lstStyle/>
+            <a:p>
+              <a:pPr algn="ctr"/>
+              <a:r>
+                <a:rPr lang="en-US" sz="1300" b="1" dirty="0">
+                  <a:solidFill>
+                    <a:schemeClr val="tx1"/>
+                  </a:solidFill>
+                </a:rPr>
+                <a:t>Core</a:t>
+              </a:r>
+            </a:p>
+          </p:txBody>
+        </p:sp>
+        <p:sp>
+          <p:nvSpPr>
+            <p:cNvPr id="78" name="Rectangle 77">
+              <a:extLst>
+                <a:ext uri="{FF2B5EF4-FFF2-40B4-BE49-F238E27FC236}">
+                  <a16:creationId xmlns:a16="http://schemas.microsoft.com/office/drawing/2014/main" id="{BCFB72C3-36F5-E944-AC17-39EE3F3AA5AE}"/>
+                </a:ext>
+              </a:extLst>
+            </p:cNvPr>
+            <p:cNvSpPr/>
+            <p:nvPr/>
+          </p:nvSpPr>
+          <p:spPr>
+            <a:xfrm>
+              <a:off x="7682013" y="4257969"/>
+              <a:ext cx="402435" cy="304406"/>
+            </a:xfrm>
+            <a:prstGeom prst="rect">
+              <a:avLst/>
+            </a:prstGeom>
+            <a:solidFill>
+              <a:srgbClr val="7C9BD6"/>
+            </a:solidFill>
+            <a:ln w="25400">
+              <a:solidFill>
+                <a:schemeClr val="tx1"/>
+              </a:solidFill>
+            </a:ln>
+          </p:spPr>
+          <p:style>
+            <a:lnRef idx="2">
+              <a:schemeClr val="accent1">
+                <a:shade val="50000"/>
+              </a:schemeClr>
+            </a:lnRef>
+            <a:fillRef idx="1">
+              <a:schemeClr val="accent1"/>
+            </a:fillRef>
+            <a:effectRef idx="0">
+              <a:schemeClr val="accent1"/>
+            </a:effectRef>
+            <a:fontRef idx="minor">
+              <a:schemeClr val="lt1"/>
+            </a:fontRef>
+          </p:style>
+          <p:txBody>
+            <a:bodyPr lIns="9144" tIns="9144" rIns="9144" bIns="9144" rtlCol="0" anchor="ctr"/>
+            <a:lstStyle/>
+            <a:p>
+              <a:pPr algn="ctr"/>
+              <a:r>
+                <a:rPr lang="en-US" sz="1300" b="1" dirty="0">
+                  <a:solidFill>
+                    <a:schemeClr val="tx1"/>
+                  </a:solidFill>
+                </a:rPr>
+                <a:t>Core</a:t>
+              </a:r>
+            </a:p>
+          </p:txBody>
+        </p:sp>
+        <p:sp>
+          <p:nvSpPr>
+            <p:cNvPr id="79" name="Rectangle 78">
+              <a:extLst>
+                <a:ext uri="{FF2B5EF4-FFF2-40B4-BE49-F238E27FC236}">
+                  <a16:creationId xmlns:a16="http://schemas.microsoft.com/office/drawing/2014/main" id="{69A58BF0-75EB-8A4E-991C-8BDC2CCE89FC}"/>
+                </a:ext>
+              </a:extLst>
+            </p:cNvPr>
+            <p:cNvSpPr/>
+            <p:nvPr/>
+          </p:nvSpPr>
+          <p:spPr>
+            <a:xfrm>
+              <a:off x="8084448" y="4257969"/>
+              <a:ext cx="402435" cy="304406"/>
+            </a:xfrm>
+            <a:prstGeom prst="rect">
+              <a:avLst/>
+            </a:prstGeom>
+            <a:solidFill>
+              <a:srgbClr val="7C9BD6"/>
+            </a:solidFill>
+            <a:ln w="25400">
+              <a:solidFill>
+                <a:schemeClr val="tx1"/>
+              </a:solidFill>
+            </a:ln>
+          </p:spPr>
+          <p:style>
+            <a:lnRef idx="2">
+              <a:schemeClr val="accent1">
+                <a:shade val="50000"/>
+              </a:schemeClr>
+            </a:lnRef>
+            <a:fillRef idx="1">
+              <a:schemeClr val="accent1"/>
+            </a:fillRef>
+            <a:effectRef idx="0">
+              <a:schemeClr val="accent1"/>
+            </a:effectRef>
+            <a:fontRef idx="minor">
+              <a:schemeClr val="lt1"/>
+            </a:fontRef>
+          </p:style>
+          <p:txBody>
+            <a:bodyPr lIns="9144" tIns="9144" rIns="9144" bIns="9144" rtlCol="0" anchor="ctr"/>
+            <a:lstStyle/>
+            <a:p>
+              <a:pPr algn="ctr"/>
+              <a:r>
+                <a:rPr lang="en-US" sz="1300" b="1" dirty="0">
+                  <a:solidFill>
+                    <a:schemeClr val="tx1"/>
+                  </a:solidFill>
+                </a:rPr>
+                <a:t>Core</a:t>
+              </a:r>
+            </a:p>
+          </p:txBody>
+        </p:sp>
+        <p:cxnSp>
+          <p:nvCxnSpPr>
+            <p:cNvPr id="104" name="Straight Arrow Connector 103">
+              <a:extLst>
+                <a:ext uri="{FF2B5EF4-FFF2-40B4-BE49-F238E27FC236}">
+                  <a16:creationId xmlns:a16="http://schemas.microsoft.com/office/drawing/2014/main" id="{BB94EEED-41C0-8C42-9E6C-C79B9FFA9C8F}"/>
+                </a:ext>
+              </a:extLst>
+            </p:cNvPr>
+            <p:cNvCxnSpPr>
+              <a:cxnSpLocks/>
+            </p:cNvCxnSpPr>
+            <p:nvPr/>
+          </p:nvCxnSpPr>
+          <p:spPr>
+            <a:xfrm>
+              <a:off x="7682017" y="2915211"/>
+              <a:ext cx="0" cy="380308"/>
+            </a:xfrm>
+            <a:prstGeom prst="straightConnector1">
+              <a:avLst/>
+            </a:prstGeom>
+            <a:ln w="19050">
+              <a:solidFill>
+                <a:schemeClr val="tx1"/>
+              </a:solidFill>
+              <a:headEnd type="triangle" w="med" len="med"/>
+              <a:tailEnd type="triangle"/>
+            </a:ln>
+          </p:spPr>
+          <p:style>
+            <a:lnRef idx="1">
+              <a:schemeClr val="accent1"/>
+            </a:lnRef>
+            <a:fillRef idx="0">
+              <a:schemeClr val="accent1"/>
+            </a:fillRef>
+            <a:effectRef idx="0">
+              <a:schemeClr val="accent1"/>
+            </a:effectRef>
+            <a:fontRef idx="minor">
               <a:schemeClr val="tx1"/>
+            </a:fontRef>
+          </p:style>
+        </p:cxnSp>
+        <p:sp>
+          <p:nvSpPr>
+            <p:cNvPr id="105" name="Rectangle 104">
+              <a:extLst>
+                <a:ext uri="{FF2B5EF4-FFF2-40B4-BE49-F238E27FC236}">
+                  <a16:creationId xmlns:a16="http://schemas.microsoft.com/office/drawing/2014/main" id="{14BEC7A8-60B7-C647-B949-8924FA41CE84}"/>
+                </a:ext>
+              </a:extLst>
+            </p:cNvPr>
+            <p:cNvSpPr>
+              <a:spLocks noChangeAspect="1"/>
+            </p:cNvSpPr>
+            <p:nvPr/>
+          </p:nvSpPr>
+          <p:spPr>
+            <a:xfrm>
+              <a:off x="6890151" y="2181532"/>
+              <a:ext cx="1609732" cy="694944"/>
+            </a:xfrm>
+            <a:prstGeom prst="rect">
+              <a:avLst/>
+            </a:prstGeom>
+            <a:solidFill>
+              <a:srgbClr val="7C9BD6"/>
             </a:solidFill>
-          </a:ln>
-        </p:spPr>
-        <p:style>
-          <a:lnRef idx="2">
-            <a:schemeClr val="accent1">
-              <a:shade val="50000"/>
-            </a:schemeClr>
-          </a:lnRef>
-          <a:fillRef idx="1">
-            <a:schemeClr val="accent1"/>
-          </a:fillRef>
-          <a:effectRef idx="0">
-            <a:schemeClr val="accent1"/>
-          </a:effectRef>
-          <a:fontRef idx="minor">
-            <a:schemeClr val="lt1"/>
-          </a:fontRef>
-        </p:style>
-        <p:txBody>
-          <a:bodyPr lIns="9144" tIns="9144" rIns="9144" bIns="9144" rtlCol="0" anchor="ctr"/>
-          <a:lstStyle/>
-          <a:p>
-            <a:pPr algn="ctr"/>
-            <a:r>
-              <a:rPr lang="en-US" sz="1300" b="1" dirty="0">
+            <a:ln w="25400">
+              <a:solidFill>
+                <a:schemeClr val="tx1"/>
+              </a:solidFill>
+            </a:ln>
+          </p:spPr>
+          <p:style>
+            <a:lnRef idx="2">
+              <a:schemeClr val="accent1">
+                <a:shade val="50000"/>
+              </a:schemeClr>
+            </a:lnRef>
+            <a:fillRef idx="1">
+              <a:schemeClr val="accent1"/>
+            </a:fillRef>
+            <a:effectRef idx="0">
+              <a:schemeClr val="accent1"/>
+            </a:effectRef>
+            <a:fontRef idx="minor">
+              <a:schemeClr val="lt1"/>
+            </a:fontRef>
+          </p:style>
+          <p:txBody>
+            <a:bodyPr lIns="9144" tIns="9144" rIns="9144" bIns="9144" rtlCol="0" anchor="ctr"/>
+            <a:lstStyle/>
+            <a:p>
+              <a:pPr algn="ctr"/>
+              <a:r>
+                <a:rPr lang="en-US" sz="1300" b="1" dirty="0">
+                  <a:solidFill>
+                    <a:schemeClr val="tx1"/>
+                  </a:solidFill>
+                </a:rPr>
+                <a:t>Memory</a:t>
+              </a:r>
+            </a:p>
+          </p:txBody>
+        </p:sp>
+        <p:sp>
+          <p:nvSpPr>
+            <p:cNvPr id="106" name="TextBox 105">
+              <a:extLst>
+                <a:ext uri="{FF2B5EF4-FFF2-40B4-BE49-F238E27FC236}">
+                  <a16:creationId xmlns:a16="http://schemas.microsoft.com/office/drawing/2014/main" id="{F298B37A-FEF5-D244-A4B5-FDA282AC8F97}"/>
+                </a:ext>
+              </a:extLst>
+            </p:cNvPr>
+            <p:cNvSpPr txBox="1"/>
+            <p:nvPr/>
+          </p:nvSpPr>
+          <p:spPr>
+            <a:xfrm>
+              <a:off x="7320166" y="1830277"/>
+              <a:ext cx="723694" cy="280077"/>
+            </a:xfrm>
+            <a:prstGeom prst="rect">
+              <a:avLst/>
+            </a:prstGeom>
+            <a:noFill/>
+          </p:spPr>
+          <p:txBody>
+            <a:bodyPr wrap="square" lIns="9144" tIns="9144" rIns="9144" bIns="9144" rtlCol="0">
+              <a:spAutoFit/>
+            </a:bodyPr>
+            <a:lstStyle/>
+            <a:p>
+              <a:pPr algn="ctr"/>
+              <a:r>
+                <a:rPr lang="en-US" sz="1700" b="1" dirty="0"/>
+                <a:t>Node</a:t>
+              </a:r>
+            </a:p>
+          </p:txBody>
+        </p:sp>
+        <p:sp>
+          <p:nvSpPr>
+            <p:cNvPr id="115" name="Rectangle 114">
+              <a:extLst>
+                <a:ext uri="{FF2B5EF4-FFF2-40B4-BE49-F238E27FC236}">
+                  <a16:creationId xmlns:a16="http://schemas.microsoft.com/office/drawing/2014/main" id="{BF5DD060-1028-B64D-BFA7-EA29E3106F32}"/>
+                </a:ext>
+              </a:extLst>
+            </p:cNvPr>
+            <p:cNvSpPr/>
+            <p:nvPr/>
+          </p:nvSpPr>
+          <p:spPr>
+            <a:xfrm>
+              <a:off x="4126128" y="2350833"/>
+              <a:ext cx="1051034" cy="1846821"/>
+            </a:xfrm>
+            <a:prstGeom prst="rect">
+              <a:avLst/>
+            </a:prstGeom>
+            <a:solidFill>
+              <a:srgbClr val="C3D2EC"/>
+            </a:solidFill>
+            <a:ln w="15875">
+              <a:solidFill>
+                <a:schemeClr val="tx1"/>
+              </a:solidFill>
+            </a:ln>
+          </p:spPr>
+          <p:style>
+            <a:lnRef idx="2">
+              <a:schemeClr val="accent1">
+                <a:shade val="50000"/>
+              </a:schemeClr>
+            </a:lnRef>
+            <a:fillRef idx="1">
+              <a:schemeClr val="accent1"/>
+            </a:fillRef>
+            <a:effectRef idx="0">
+              <a:schemeClr val="accent1"/>
+            </a:effectRef>
+            <a:fontRef idx="minor">
+              <a:schemeClr val="lt1"/>
+            </a:fontRef>
+          </p:style>
+          <p:txBody>
+            <a:bodyPr lIns="9144" tIns="9144" rIns="9144" bIns="9144" rtlCol="0" anchor="ctr"/>
+            <a:lstStyle/>
+            <a:p>
+              <a:pPr algn="ctr"/>
+              <a:endParaRPr lang="en-US" sz="1300" b="1" dirty="0">
                 <a:solidFill>
                   <a:schemeClr val="tx1"/>
                 </a:solidFill>
-              </a:rPr>
-              <a:t>Core</a:t>
-            </a:r>
-          </a:p>
-        </p:txBody>
-      </p:sp>
-      <p:sp>
-        <p:nvSpPr>
-          <p:cNvPr id="40" name="Rectangle 39">
-            <a:extLst>
-              <a:ext uri="{FF2B5EF4-FFF2-40B4-BE49-F238E27FC236}">
-                <a16:creationId xmlns:a16="http://schemas.microsoft.com/office/drawing/2014/main" id="{C2373829-FE73-604B-BAFA-565FD10F2EC0}"/>
-              </a:ext>
-            </a:extLst>
-          </p:cNvPr>
-          <p:cNvSpPr/>
-          <p:nvPr/>
-        </p:nvSpPr>
-        <p:spPr>
-          <a:xfrm>
-            <a:off x="6877144" y="3643910"/>
-            <a:ext cx="402435" cy="304406"/>
-          </a:xfrm>
-          <a:prstGeom prst="rect">
-            <a:avLst/>
-          </a:prstGeom>
-          <a:solidFill>
-            <a:srgbClr val="7C9BD6"/>
-          </a:solidFill>
-          <a:ln w="25400">
+              </a:endParaRPr>
+            </a:p>
+          </p:txBody>
+        </p:sp>
+        <p:sp>
+          <p:nvSpPr>
+            <p:cNvPr id="116" name="Rectangle 115">
+              <a:extLst>
+                <a:ext uri="{FF2B5EF4-FFF2-40B4-BE49-F238E27FC236}">
+                  <a16:creationId xmlns:a16="http://schemas.microsoft.com/office/drawing/2014/main" id="{5D23180C-7CF8-194B-B3F1-8A2040AB85A1}"/>
+                </a:ext>
+              </a:extLst>
+            </p:cNvPr>
+            <p:cNvSpPr/>
+            <p:nvPr/>
+          </p:nvSpPr>
+          <p:spPr>
+            <a:xfrm>
+              <a:off x="4249213" y="3502575"/>
+              <a:ext cx="402435" cy="304800"/>
+            </a:xfrm>
+            <a:prstGeom prst="rect">
+              <a:avLst/>
+            </a:prstGeom>
             <a:solidFill>
-              <a:schemeClr val="tx1"/>
+              <a:srgbClr val="7C9BD6"/>
             </a:solidFill>
-          </a:ln>
-        </p:spPr>
-        <p:style>
-          <a:lnRef idx="2">
-            <a:schemeClr val="accent1">
-              <a:shade val="50000"/>
-            </a:schemeClr>
-          </a:lnRef>
-          <a:fillRef idx="1">
-            <a:schemeClr val="accent1"/>
-          </a:fillRef>
-          <a:effectRef idx="0">
-            <a:schemeClr val="accent1"/>
-          </a:effectRef>
-          <a:fontRef idx="minor">
-            <a:schemeClr val="lt1"/>
-          </a:fontRef>
-        </p:style>
-        <p:txBody>
-          <a:bodyPr lIns="9144" tIns="9144" rIns="9144" bIns="9144" rtlCol="0" anchor="ctr"/>
-          <a:lstStyle/>
-          <a:p>
-            <a:pPr algn="ctr"/>
-            <a:r>
-              <a:rPr lang="en-US" sz="1300" b="1" dirty="0">
-                <a:solidFill>
-                  <a:schemeClr val="tx1"/>
-                </a:solidFill>
-              </a:rPr>
-              <a:t>Core</a:t>
-            </a:r>
-          </a:p>
-        </p:txBody>
-      </p:sp>
-      <p:sp>
-        <p:nvSpPr>
-          <p:cNvPr id="41" name="Rectangle 40">
-            <a:extLst>
-              <a:ext uri="{FF2B5EF4-FFF2-40B4-BE49-F238E27FC236}">
-                <a16:creationId xmlns:a16="http://schemas.microsoft.com/office/drawing/2014/main" id="{4643FD29-1610-3E4A-8266-9CCC6B94813C}"/>
-              </a:ext>
-            </a:extLst>
-          </p:cNvPr>
-          <p:cNvSpPr/>
-          <p:nvPr/>
-        </p:nvSpPr>
-        <p:spPr>
-          <a:xfrm>
-            <a:off x="7279579" y="3643910"/>
-            <a:ext cx="402435" cy="304406"/>
-          </a:xfrm>
-          <a:prstGeom prst="rect">
-            <a:avLst/>
-          </a:prstGeom>
-          <a:solidFill>
-            <a:srgbClr val="7C9BD6"/>
-          </a:solidFill>
-          <a:ln w="25400">
-            <a:solidFill>
-              <a:schemeClr val="tx1"/>
-            </a:solidFill>
-          </a:ln>
-        </p:spPr>
-        <p:style>
-          <a:lnRef idx="2">
-            <a:schemeClr val="accent1">
-              <a:shade val="50000"/>
-            </a:schemeClr>
-          </a:lnRef>
-          <a:fillRef idx="1">
-            <a:schemeClr val="accent1"/>
-          </a:fillRef>
-          <a:effectRef idx="0">
-            <a:schemeClr val="accent1"/>
-          </a:effectRef>
-          <a:fontRef idx="minor">
-            <a:schemeClr val="lt1"/>
-          </a:fontRef>
-        </p:style>
-        <p:txBody>
-          <a:bodyPr lIns="9144" tIns="9144" rIns="9144" bIns="9144" rtlCol="0" anchor="ctr"/>
-          <a:lstStyle/>
-          <a:p>
-            <a:pPr algn="ctr"/>
-            <a:r>
-              <a:rPr lang="en-US" sz="1300" b="1" dirty="0">
-                <a:solidFill>
-                  <a:schemeClr val="tx1"/>
-                </a:solidFill>
-              </a:rPr>
-              <a:t>Core</a:t>
-            </a:r>
-          </a:p>
-        </p:txBody>
-      </p:sp>
-      <p:sp>
-        <p:nvSpPr>
-          <p:cNvPr id="64" name="TextBox 63">
-            <a:extLst>
-              <a:ext uri="{FF2B5EF4-FFF2-40B4-BE49-F238E27FC236}">
-                <a16:creationId xmlns:a16="http://schemas.microsoft.com/office/drawing/2014/main" id="{42646803-01C2-0540-9451-2C510F7CC702}"/>
-              </a:ext>
-            </a:extLst>
-          </p:cNvPr>
-          <p:cNvSpPr txBox="1"/>
-          <p:nvPr/>
-        </p:nvSpPr>
-        <p:spPr>
-          <a:xfrm>
-            <a:off x="7076426" y="4872345"/>
-            <a:ext cx="1237182" cy="480131"/>
-          </a:xfrm>
-          <a:prstGeom prst="rect">
-            <a:avLst/>
-          </a:prstGeom>
-          <a:noFill/>
-        </p:spPr>
-        <p:txBody>
-          <a:bodyPr wrap="square" lIns="9144" tIns="9144" rIns="9144" bIns="9144" rtlCol="0">
-            <a:spAutoFit/>
-          </a:bodyPr>
-          <a:lstStyle/>
-          <a:p>
-            <a:pPr algn="ctr"/>
-            <a:r>
-              <a:rPr lang="en-US" sz="1500" dirty="0"/>
-              <a:t>Cloud Computing</a:t>
-            </a:r>
-          </a:p>
-        </p:txBody>
-      </p:sp>
-      <p:sp>
-        <p:nvSpPr>
-          <p:cNvPr id="63" name="Rectangle 62">
-            <a:extLst>
-              <a:ext uri="{FF2B5EF4-FFF2-40B4-BE49-F238E27FC236}">
-                <a16:creationId xmlns:a16="http://schemas.microsoft.com/office/drawing/2014/main" id="{26729C64-4F6F-574F-B994-ABB63FF958FC}"/>
-              </a:ext>
-            </a:extLst>
-          </p:cNvPr>
-          <p:cNvSpPr/>
-          <p:nvPr/>
-        </p:nvSpPr>
-        <p:spPr>
-          <a:xfrm>
-            <a:off x="6877144" y="3948315"/>
-            <a:ext cx="402435" cy="304406"/>
-          </a:xfrm>
-          <a:prstGeom prst="rect">
-            <a:avLst/>
-          </a:prstGeom>
-          <a:solidFill>
-            <a:srgbClr val="7C9BD6"/>
-          </a:solidFill>
-          <a:ln w="25400">
-            <a:solidFill>
-              <a:schemeClr val="tx1"/>
-            </a:solidFill>
-          </a:ln>
-        </p:spPr>
-        <p:style>
-          <a:lnRef idx="2">
-            <a:schemeClr val="accent1">
-              <a:shade val="50000"/>
-            </a:schemeClr>
-          </a:lnRef>
-          <a:fillRef idx="1">
-            <a:schemeClr val="accent1"/>
-          </a:fillRef>
-          <a:effectRef idx="0">
-            <a:schemeClr val="accent1"/>
-          </a:effectRef>
-          <a:fontRef idx="minor">
-            <a:schemeClr val="lt1"/>
-          </a:fontRef>
-        </p:style>
-        <p:txBody>
-          <a:bodyPr lIns="9144" tIns="9144" rIns="9144" bIns="9144" rtlCol="0" anchor="ctr"/>
-          <a:lstStyle/>
-          <a:p>
-            <a:pPr algn="ctr"/>
-            <a:r>
-              <a:rPr lang="en-US" sz="1300" b="1" dirty="0">
-                <a:solidFill>
-                  <a:schemeClr val="tx1"/>
-                </a:solidFill>
-              </a:rPr>
-              <a:t>Core</a:t>
-            </a:r>
-          </a:p>
-        </p:txBody>
-      </p:sp>
-      <p:sp>
-        <p:nvSpPr>
-          <p:cNvPr id="65" name="Rectangle 64">
-            <a:extLst>
-              <a:ext uri="{FF2B5EF4-FFF2-40B4-BE49-F238E27FC236}">
-                <a16:creationId xmlns:a16="http://schemas.microsoft.com/office/drawing/2014/main" id="{C2F8F4F6-1798-074A-B1D5-95374277D4DF}"/>
-              </a:ext>
-            </a:extLst>
-          </p:cNvPr>
-          <p:cNvSpPr/>
-          <p:nvPr/>
-        </p:nvSpPr>
-        <p:spPr>
-          <a:xfrm>
-            <a:off x="7279579" y="3948316"/>
-            <a:ext cx="402435" cy="304406"/>
-          </a:xfrm>
-          <a:prstGeom prst="rect">
-            <a:avLst/>
-          </a:prstGeom>
-          <a:solidFill>
-            <a:srgbClr val="7C9BD6"/>
-          </a:solidFill>
-          <a:ln w="25400">
-            <a:solidFill>
-              <a:schemeClr val="tx1"/>
-            </a:solidFill>
-          </a:ln>
-        </p:spPr>
-        <p:style>
-          <a:lnRef idx="2">
-            <a:schemeClr val="accent1">
-              <a:shade val="50000"/>
-            </a:schemeClr>
-          </a:lnRef>
-          <a:fillRef idx="1">
-            <a:schemeClr val="accent1"/>
-          </a:fillRef>
-          <a:effectRef idx="0">
-            <a:schemeClr val="accent1"/>
-          </a:effectRef>
-          <a:fontRef idx="minor">
-            <a:schemeClr val="lt1"/>
-          </a:fontRef>
-        </p:style>
-        <p:txBody>
-          <a:bodyPr lIns="9144" tIns="9144" rIns="9144" bIns="9144" rtlCol="0" anchor="ctr"/>
-          <a:lstStyle/>
-          <a:p>
-            <a:pPr algn="ctr"/>
-            <a:r>
-              <a:rPr lang="en-US" sz="1300" b="1" dirty="0">
-                <a:solidFill>
-                  <a:schemeClr val="tx1"/>
-                </a:solidFill>
-              </a:rPr>
-              <a:t>Core</a:t>
-            </a:r>
-          </a:p>
-        </p:txBody>
-      </p:sp>
-      <p:sp>
-        <p:nvSpPr>
-          <p:cNvPr id="66" name="Rectangle 65">
-            <a:extLst>
-              <a:ext uri="{FF2B5EF4-FFF2-40B4-BE49-F238E27FC236}">
-                <a16:creationId xmlns:a16="http://schemas.microsoft.com/office/drawing/2014/main" id="{897AAF31-28C4-B54C-87BD-C2C75C700C7F}"/>
-              </a:ext>
-            </a:extLst>
-          </p:cNvPr>
-          <p:cNvSpPr/>
-          <p:nvPr/>
-        </p:nvSpPr>
-        <p:spPr>
-          <a:xfrm>
-            <a:off x="6877143" y="4257970"/>
-            <a:ext cx="402435" cy="304406"/>
-          </a:xfrm>
-          <a:prstGeom prst="rect">
-            <a:avLst/>
-          </a:prstGeom>
-          <a:solidFill>
-            <a:srgbClr val="7C9BD6"/>
-          </a:solidFill>
-          <a:ln w="25400">
-            <a:solidFill>
-              <a:schemeClr val="tx1"/>
-            </a:solidFill>
-          </a:ln>
-        </p:spPr>
-        <p:style>
-          <a:lnRef idx="2">
-            <a:schemeClr val="accent1">
-              <a:shade val="50000"/>
-            </a:schemeClr>
-          </a:lnRef>
-          <a:fillRef idx="1">
-            <a:schemeClr val="accent1"/>
-          </a:fillRef>
-          <a:effectRef idx="0">
-            <a:schemeClr val="accent1"/>
-          </a:effectRef>
-          <a:fontRef idx="minor">
-            <a:schemeClr val="lt1"/>
-          </a:fontRef>
-        </p:style>
-        <p:txBody>
-          <a:bodyPr lIns="9144" tIns="9144" rIns="9144" bIns="9144" rtlCol="0" anchor="ctr"/>
-          <a:lstStyle/>
-          <a:p>
-            <a:pPr algn="ctr"/>
-            <a:r>
-              <a:rPr lang="en-US" sz="1300" b="1" dirty="0">
-                <a:solidFill>
-                  <a:schemeClr val="tx1"/>
-                </a:solidFill>
-              </a:rPr>
-              <a:t>Core</a:t>
-            </a:r>
-          </a:p>
-        </p:txBody>
-      </p:sp>
-      <p:sp>
-        <p:nvSpPr>
-          <p:cNvPr id="67" name="Rectangle 66">
-            <a:extLst>
-              <a:ext uri="{FF2B5EF4-FFF2-40B4-BE49-F238E27FC236}">
-                <a16:creationId xmlns:a16="http://schemas.microsoft.com/office/drawing/2014/main" id="{C026B100-0DF6-804B-8F8D-8AC181539E0C}"/>
-              </a:ext>
-            </a:extLst>
-          </p:cNvPr>
-          <p:cNvSpPr/>
-          <p:nvPr/>
-        </p:nvSpPr>
-        <p:spPr>
-          <a:xfrm>
-            <a:off x="7279578" y="4257970"/>
-            <a:ext cx="402435" cy="304406"/>
-          </a:xfrm>
-          <a:prstGeom prst="rect">
-            <a:avLst/>
-          </a:prstGeom>
-          <a:solidFill>
-            <a:srgbClr val="7C9BD6"/>
-          </a:solidFill>
-          <a:ln w="25400">
-            <a:solidFill>
-              <a:schemeClr val="tx1"/>
-            </a:solidFill>
-          </a:ln>
-        </p:spPr>
-        <p:style>
-          <a:lnRef idx="2">
-            <a:schemeClr val="accent1">
-              <a:shade val="50000"/>
-            </a:schemeClr>
-          </a:lnRef>
-          <a:fillRef idx="1">
-            <a:schemeClr val="accent1"/>
-          </a:fillRef>
-          <a:effectRef idx="0">
-            <a:schemeClr val="accent1"/>
-          </a:effectRef>
-          <a:fontRef idx="minor">
-            <a:schemeClr val="lt1"/>
-          </a:fontRef>
-        </p:style>
-        <p:txBody>
-          <a:bodyPr lIns="9144" tIns="9144" rIns="9144" bIns="9144" rtlCol="0" anchor="ctr"/>
-          <a:lstStyle/>
-          <a:p>
-            <a:pPr algn="ctr"/>
-            <a:r>
-              <a:rPr lang="en-US" sz="1300" b="1" dirty="0">
-                <a:solidFill>
-                  <a:schemeClr val="tx1"/>
-                </a:solidFill>
-              </a:rPr>
-              <a:t>Core</a:t>
-            </a:r>
-          </a:p>
-        </p:txBody>
-      </p:sp>
-      <p:sp>
-        <p:nvSpPr>
-          <p:cNvPr id="72" name="Rectangle 71">
-            <a:extLst>
-              <a:ext uri="{FF2B5EF4-FFF2-40B4-BE49-F238E27FC236}">
-                <a16:creationId xmlns:a16="http://schemas.microsoft.com/office/drawing/2014/main" id="{550CAF52-A24A-9941-AC11-3630C4A7CCF1}"/>
-              </a:ext>
-            </a:extLst>
-          </p:cNvPr>
-          <p:cNvSpPr/>
-          <p:nvPr/>
-        </p:nvSpPr>
-        <p:spPr>
-          <a:xfrm>
-            <a:off x="7682014" y="3334254"/>
-            <a:ext cx="402435" cy="304406"/>
-          </a:xfrm>
-          <a:prstGeom prst="rect">
-            <a:avLst/>
-          </a:prstGeom>
-          <a:solidFill>
-            <a:srgbClr val="7C9BD6"/>
-          </a:solidFill>
-          <a:ln w="25400">
-            <a:solidFill>
-              <a:schemeClr val="tx1"/>
-            </a:solidFill>
-          </a:ln>
-        </p:spPr>
-        <p:style>
-          <a:lnRef idx="2">
-            <a:schemeClr val="accent1">
-              <a:shade val="50000"/>
-            </a:schemeClr>
-          </a:lnRef>
-          <a:fillRef idx="1">
-            <a:schemeClr val="accent1"/>
-          </a:fillRef>
-          <a:effectRef idx="0">
-            <a:schemeClr val="accent1"/>
-          </a:effectRef>
-          <a:fontRef idx="minor">
-            <a:schemeClr val="lt1"/>
-          </a:fontRef>
-        </p:style>
-        <p:txBody>
-          <a:bodyPr lIns="9144" tIns="9144" rIns="9144" bIns="9144" rtlCol="0" anchor="ctr"/>
-          <a:lstStyle/>
-          <a:p>
-            <a:pPr algn="ctr"/>
-            <a:r>
-              <a:rPr lang="en-US" sz="1300" b="1" dirty="0">
-                <a:solidFill>
-                  <a:schemeClr val="tx1"/>
-                </a:solidFill>
-              </a:rPr>
-              <a:t>Core</a:t>
-            </a:r>
-          </a:p>
-        </p:txBody>
-      </p:sp>
-      <p:sp>
-        <p:nvSpPr>
-          <p:cNvPr id="73" name="Rectangle 72">
-            <a:extLst>
-              <a:ext uri="{FF2B5EF4-FFF2-40B4-BE49-F238E27FC236}">
-                <a16:creationId xmlns:a16="http://schemas.microsoft.com/office/drawing/2014/main" id="{D9BCB834-3823-1742-BB1B-702727318518}"/>
-              </a:ext>
-            </a:extLst>
-          </p:cNvPr>
-          <p:cNvSpPr/>
-          <p:nvPr/>
-        </p:nvSpPr>
-        <p:spPr>
-          <a:xfrm>
-            <a:off x="8084449" y="3334255"/>
-            <a:ext cx="402435" cy="304406"/>
-          </a:xfrm>
-          <a:prstGeom prst="rect">
-            <a:avLst/>
-          </a:prstGeom>
-          <a:solidFill>
-            <a:srgbClr val="7C9BD6"/>
-          </a:solidFill>
-          <a:ln w="25400">
-            <a:solidFill>
-              <a:schemeClr val="tx1"/>
-            </a:solidFill>
-          </a:ln>
-        </p:spPr>
-        <p:style>
-          <a:lnRef idx="2">
-            <a:schemeClr val="accent1">
-              <a:shade val="50000"/>
-            </a:schemeClr>
-          </a:lnRef>
-          <a:fillRef idx="1">
-            <a:schemeClr val="accent1"/>
-          </a:fillRef>
-          <a:effectRef idx="0">
-            <a:schemeClr val="accent1"/>
-          </a:effectRef>
-          <a:fontRef idx="minor">
-            <a:schemeClr val="lt1"/>
-          </a:fontRef>
-        </p:style>
-        <p:txBody>
-          <a:bodyPr lIns="9144" tIns="9144" rIns="9144" bIns="9144" rtlCol="0" anchor="ctr"/>
-          <a:lstStyle/>
-          <a:p>
-            <a:pPr algn="ctr"/>
-            <a:r>
-              <a:rPr lang="en-US" sz="1300" b="1" dirty="0">
-                <a:solidFill>
-                  <a:schemeClr val="tx1"/>
-                </a:solidFill>
-              </a:rPr>
-              <a:t>Core</a:t>
-            </a:r>
-          </a:p>
-        </p:txBody>
-      </p:sp>
-      <p:sp>
-        <p:nvSpPr>
-          <p:cNvPr id="74" name="Rectangle 73">
-            <a:extLst>
-              <a:ext uri="{FF2B5EF4-FFF2-40B4-BE49-F238E27FC236}">
-                <a16:creationId xmlns:a16="http://schemas.microsoft.com/office/drawing/2014/main" id="{8F3AC5F0-3D8A-CC45-A477-7ED19BB60897}"/>
-              </a:ext>
-            </a:extLst>
-          </p:cNvPr>
-          <p:cNvSpPr/>
-          <p:nvPr/>
-        </p:nvSpPr>
-        <p:spPr>
-          <a:xfrm>
-            <a:off x="7682013" y="3643909"/>
-            <a:ext cx="402435" cy="304406"/>
-          </a:xfrm>
-          <a:prstGeom prst="rect">
-            <a:avLst/>
-          </a:prstGeom>
-          <a:solidFill>
-            <a:srgbClr val="7C9BD6"/>
-          </a:solidFill>
-          <a:ln w="25400">
-            <a:solidFill>
-              <a:schemeClr val="tx1"/>
-            </a:solidFill>
-          </a:ln>
-        </p:spPr>
-        <p:style>
-          <a:lnRef idx="2">
-            <a:schemeClr val="accent1">
-              <a:shade val="50000"/>
-            </a:schemeClr>
-          </a:lnRef>
-          <a:fillRef idx="1">
-            <a:schemeClr val="accent1"/>
-          </a:fillRef>
-          <a:effectRef idx="0">
-            <a:schemeClr val="accent1"/>
-          </a:effectRef>
-          <a:fontRef idx="minor">
-            <a:schemeClr val="lt1"/>
-          </a:fontRef>
-        </p:style>
-        <p:txBody>
-          <a:bodyPr lIns="9144" tIns="9144" rIns="9144" bIns="9144" rtlCol="0" anchor="ctr"/>
-          <a:lstStyle/>
-          <a:p>
-            <a:pPr algn="ctr"/>
-            <a:r>
-              <a:rPr lang="en-US" sz="1300" b="1" dirty="0">
-                <a:solidFill>
-                  <a:schemeClr val="tx1"/>
-                </a:solidFill>
-              </a:rPr>
-              <a:t>Core</a:t>
-            </a:r>
-          </a:p>
-        </p:txBody>
-      </p:sp>
-      <p:sp>
-        <p:nvSpPr>
-          <p:cNvPr id="75" name="Rectangle 74">
-            <a:extLst>
-              <a:ext uri="{FF2B5EF4-FFF2-40B4-BE49-F238E27FC236}">
-                <a16:creationId xmlns:a16="http://schemas.microsoft.com/office/drawing/2014/main" id="{8A5051C0-5D6B-1F45-B957-B339DB714DF6}"/>
-              </a:ext>
-            </a:extLst>
-          </p:cNvPr>
-          <p:cNvSpPr/>
-          <p:nvPr/>
-        </p:nvSpPr>
-        <p:spPr>
-          <a:xfrm>
-            <a:off x="8084448" y="3643909"/>
-            <a:ext cx="402435" cy="304406"/>
-          </a:xfrm>
-          <a:prstGeom prst="rect">
-            <a:avLst/>
-          </a:prstGeom>
-          <a:solidFill>
-            <a:srgbClr val="7C9BD6"/>
-          </a:solidFill>
-          <a:ln w="25400">
-            <a:solidFill>
-              <a:schemeClr val="tx1"/>
-            </a:solidFill>
-          </a:ln>
-        </p:spPr>
-        <p:style>
-          <a:lnRef idx="2">
-            <a:schemeClr val="accent1">
-              <a:shade val="50000"/>
-            </a:schemeClr>
-          </a:lnRef>
-          <a:fillRef idx="1">
-            <a:schemeClr val="accent1"/>
-          </a:fillRef>
-          <a:effectRef idx="0">
-            <a:schemeClr val="accent1"/>
-          </a:effectRef>
-          <a:fontRef idx="minor">
-            <a:schemeClr val="lt1"/>
-          </a:fontRef>
-        </p:style>
-        <p:txBody>
-          <a:bodyPr lIns="9144" tIns="9144" rIns="9144" bIns="9144" rtlCol="0" anchor="ctr"/>
-          <a:lstStyle/>
-          <a:p>
-            <a:pPr algn="ctr"/>
-            <a:r>
-              <a:rPr lang="en-US" sz="1300" b="1" dirty="0">
-                <a:solidFill>
-                  <a:schemeClr val="tx1"/>
-                </a:solidFill>
-              </a:rPr>
-              <a:t>Core</a:t>
-            </a:r>
-          </a:p>
-        </p:txBody>
-      </p:sp>
-      <p:sp>
-        <p:nvSpPr>
-          <p:cNvPr id="76" name="Rectangle 75">
-            <a:extLst>
-              <a:ext uri="{FF2B5EF4-FFF2-40B4-BE49-F238E27FC236}">
-                <a16:creationId xmlns:a16="http://schemas.microsoft.com/office/drawing/2014/main" id="{852B22A1-61B2-0840-804F-0098ABF791D0}"/>
-              </a:ext>
-            </a:extLst>
-          </p:cNvPr>
-          <p:cNvSpPr/>
-          <p:nvPr/>
-        </p:nvSpPr>
-        <p:spPr>
-          <a:xfrm>
-            <a:off x="7682014" y="3948314"/>
-            <a:ext cx="402435" cy="304406"/>
-          </a:xfrm>
-          <a:prstGeom prst="rect">
-            <a:avLst/>
-          </a:prstGeom>
-          <a:solidFill>
-            <a:srgbClr val="7C9BD6"/>
-          </a:solidFill>
-          <a:ln w="25400">
-            <a:solidFill>
-              <a:schemeClr val="tx1"/>
-            </a:solidFill>
-          </a:ln>
-        </p:spPr>
-        <p:style>
-          <a:lnRef idx="2">
-            <a:schemeClr val="accent1">
-              <a:shade val="50000"/>
-            </a:schemeClr>
-          </a:lnRef>
-          <a:fillRef idx="1">
-            <a:schemeClr val="accent1"/>
-          </a:fillRef>
-          <a:effectRef idx="0">
-            <a:schemeClr val="accent1"/>
-          </a:effectRef>
-          <a:fontRef idx="minor">
-            <a:schemeClr val="lt1"/>
-          </a:fontRef>
-        </p:style>
-        <p:txBody>
-          <a:bodyPr lIns="9144" tIns="9144" rIns="9144" bIns="9144" rtlCol="0" anchor="ctr"/>
-          <a:lstStyle/>
-          <a:p>
-            <a:pPr algn="ctr"/>
-            <a:r>
-              <a:rPr lang="en-US" sz="1300" b="1" dirty="0">
-                <a:solidFill>
-                  <a:schemeClr val="tx1"/>
-                </a:solidFill>
-              </a:rPr>
-              <a:t>Core</a:t>
-            </a:r>
-          </a:p>
-        </p:txBody>
-      </p:sp>
-      <p:sp>
-        <p:nvSpPr>
-          <p:cNvPr id="77" name="Rectangle 76">
-            <a:extLst>
-              <a:ext uri="{FF2B5EF4-FFF2-40B4-BE49-F238E27FC236}">
-                <a16:creationId xmlns:a16="http://schemas.microsoft.com/office/drawing/2014/main" id="{47332347-01FC-2A47-8EA9-A6F5E4CA8BF6}"/>
-              </a:ext>
-            </a:extLst>
-          </p:cNvPr>
-          <p:cNvSpPr/>
-          <p:nvPr/>
-        </p:nvSpPr>
-        <p:spPr>
-          <a:xfrm>
-            <a:off x="8084449" y="3948315"/>
-            <a:ext cx="402435" cy="304406"/>
-          </a:xfrm>
-          <a:prstGeom prst="rect">
-            <a:avLst/>
-          </a:prstGeom>
-          <a:solidFill>
-            <a:srgbClr val="7C9BD6"/>
-          </a:solidFill>
-          <a:ln w="25400">
-            <a:solidFill>
-              <a:schemeClr val="tx1"/>
-            </a:solidFill>
-          </a:ln>
-        </p:spPr>
-        <p:style>
-          <a:lnRef idx="2">
-            <a:schemeClr val="accent1">
-              <a:shade val="50000"/>
-            </a:schemeClr>
-          </a:lnRef>
-          <a:fillRef idx="1">
-            <a:schemeClr val="accent1"/>
-          </a:fillRef>
-          <a:effectRef idx="0">
-            <a:schemeClr val="accent1"/>
-          </a:effectRef>
-          <a:fontRef idx="minor">
-            <a:schemeClr val="lt1"/>
-          </a:fontRef>
-        </p:style>
-        <p:txBody>
-          <a:bodyPr lIns="9144" tIns="9144" rIns="9144" bIns="9144" rtlCol="0" anchor="ctr"/>
-          <a:lstStyle/>
-          <a:p>
-            <a:pPr algn="ctr"/>
-            <a:r>
-              <a:rPr lang="en-US" sz="1300" b="1" dirty="0">
-                <a:solidFill>
-                  <a:schemeClr val="tx1"/>
-                </a:solidFill>
-              </a:rPr>
-              <a:t>Core</a:t>
-            </a:r>
-          </a:p>
-        </p:txBody>
-      </p:sp>
-      <p:sp>
-        <p:nvSpPr>
-          <p:cNvPr id="78" name="Rectangle 77">
-            <a:extLst>
-              <a:ext uri="{FF2B5EF4-FFF2-40B4-BE49-F238E27FC236}">
-                <a16:creationId xmlns:a16="http://schemas.microsoft.com/office/drawing/2014/main" id="{BCFB72C3-36F5-E944-AC17-39EE3F3AA5AE}"/>
-              </a:ext>
-            </a:extLst>
-          </p:cNvPr>
-          <p:cNvSpPr/>
-          <p:nvPr/>
-        </p:nvSpPr>
-        <p:spPr>
-          <a:xfrm>
-            <a:off x="7682013" y="4257969"/>
-            <a:ext cx="402435" cy="304406"/>
-          </a:xfrm>
-          <a:prstGeom prst="rect">
-            <a:avLst/>
-          </a:prstGeom>
-          <a:solidFill>
-            <a:srgbClr val="7C9BD6"/>
-          </a:solidFill>
-          <a:ln w="25400">
-            <a:solidFill>
-              <a:schemeClr val="tx1"/>
-            </a:solidFill>
-          </a:ln>
-        </p:spPr>
-        <p:style>
-          <a:lnRef idx="2">
-            <a:schemeClr val="accent1">
-              <a:shade val="50000"/>
-            </a:schemeClr>
-          </a:lnRef>
-          <a:fillRef idx="1">
-            <a:schemeClr val="accent1"/>
-          </a:fillRef>
-          <a:effectRef idx="0">
-            <a:schemeClr val="accent1"/>
-          </a:effectRef>
-          <a:fontRef idx="minor">
-            <a:schemeClr val="lt1"/>
-          </a:fontRef>
-        </p:style>
-        <p:txBody>
-          <a:bodyPr lIns="9144" tIns="9144" rIns="9144" bIns="9144" rtlCol="0" anchor="ctr"/>
-          <a:lstStyle/>
-          <a:p>
-            <a:pPr algn="ctr"/>
-            <a:r>
-              <a:rPr lang="en-US" sz="1300" b="1" dirty="0">
-                <a:solidFill>
-                  <a:schemeClr val="tx1"/>
-                </a:solidFill>
-              </a:rPr>
-              <a:t>Core</a:t>
-            </a:r>
-          </a:p>
-        </p:txBody>
-      </p:sp>
-      <p:sp>
-        <p:nvSpPr>
-          <p:cNvPr id="79" name="Rectangle 78">
-            <a:extLst>
-              <a:ext uri="{FF2B5EF4-FFF2-40B4-BE49-F238E27FC236}">
-                <a16:creationId xmlns:a16="http://schemas.microsoft.com/office/drawing/2014/main" id="{69A58BF0-75EB-8A4E-991C-8BDC2CCE89FC}"/>
-              </a:ext>
-            </a:extLst>
-          </p:cNvPr>
-          <p:cNvSpPr/>
-          <p:nvPr/>
-        </p:nvSpPr>
-        <p:spPr>
-          <a:xfrm>
-            <a:off x="8084448" y="4257969"/>
-            <a:ext cx="402435" cy="304406"/>
-          </a:xfrm>
-          <a:prstGeom prst="rect">
-            <a:avLst/>
-          </a:prstGeom>
-          <a:solidFill>
-            <a:srgbClr val="7C9BD6"/>
-          </a:solidFill>
-          <a:ln w="25400">
-            <a:solidFill>
-              <a:schemeClr val="tx1"/>
-            </a:solidFill>
-          </a:ln>
-        </p:spPr>
-        <p:style>
-          <a:lnRef idx="2">
-            <a:schemeClr val="accent1">
-              <a:shade val="50000"/>
-            </a:schemeClr>
-          </a:lnRef>
-          <a:fillRef idx="1">
-            <a:schemeClr val="accent1"/>
-          </a:fillRef>
-          <a:effectRef idx="0">
-            <a:schemeClr val="accent1"/>
-          </a:effectRef>
-          <a:fontRef idx="minor">
-            <a:schemeClr val="lt1"/>
-          </a:fontRef>
-        </p:style>
-        <p:txBody>
-          <a:bodyPr lIns="9144" tIns="9144" rIns="9144" bIns="9144" rtlCol="0" anchor="ctr"/>
-          <a:lstStyle/>
-          <a:p>
-            <a:pPr algn="ctr"/>
-            <a:r>
-              <a:rPr lang="en-US" sz="1300" b="1" dirty="0">
-                <a:solidFill>
-                  <a:schemeClr val="tx1"/>
-                </a:solidFill>
-              </a:rPr>
-              <a:t>Core</a:t>
-            </a:r>
-          </a:p>
-        </p:txBody>
-      </p:sp>
-      <p:cxnSp>
-        <p:nvCxnSpPr>
-          <p:cNvPr id="104" name="Straight Arrow Connector 103">
-            <a:extLst>
-              <a:ext uri="{FF2B5EF4-FFF2-40B4-BE49-F238E27FC236}">
-                <a16:creationId xmlns:a16="http://schemas.microsoft.com/office/drawing/2014/main" id="{BB94EEED-41C0-8C42-9E6C-C79B9FFA9C8F}"/>
-              </a:ext>
-            </a:extLst>
-          </p:cNvPr>
-          <p:cNvCxnSpPr>
-            <a:cxnSpLocks/>
-          </p:cNvCxnSpPr>
-          <p:nvPr/>
-        </p:nvCxnSpPr>
-        <p:spPr>
-          <a:xfrm>
-            <a:off x="7682017" y="2915211"/>
-            <a:ext cx="0" cy="380308"/>
-          </a:xfrm>
-          <a:prstGeom prst="straightConnector1">
-            <a:avLst/>
-          </a:prstGeom>
-          <a:ln w="19050">
-            <a:solidFill>
-              <a:schemeClr val="tx1"/>
-            </a:solidFill>
-            <a:headEnd type="triangle" w="med" len="med"/>
-            <a:tailEnd type="triangle"/>
-          </a:ln>
-        </p:spPr>
-        <p:style>
-          <a:lnRef idx="1">
-            <a:schemeClr val="accent1"/>
-          </a:lnRef>
-          <a:fillRef idx="0">
-            <a:schemeClr val="accent1"/>
-          </a:fillRef>
-          <a:effectRef idx="0">
-            <a:schemeClr val="accent1"/>
-          </a:effectRef>
-          <a:fontRef idx="minor">
-            <a:schemeClr val="tx1"/>
-          </a:fontRef>
-        </p:style>
-      </p:cxnSp>
-      <p:sp>
-        <p:nvSpPr>
-          <p:cNvPr id="105" name="Rectangle 104">
-            <a:extLst>
-              <a:ext uri="{FF2B5EF4-FFF2-40B4-BE49-F238E27FC236}">
-                <a16:creationId xmlns:a16="http://schemas.microsoft.com/office/drawing/2014/main" id="{14BEC7A8-60B7-C647-B949-8924FA41CE84}"/>
-              </a:ext>
-            </a:extLst>
-          </p:cNvPr>
-          <p:cNvSpPr>
-            <a:spLocks noChangeAspect="1"/>
-          </p:cNvSpPr>
-          <p:nvPr/>
-        </p:nvSpPr>
-        <p:spPr>
-          <a:xfrm>
-            <a:off x="6890151" y="2181532"/>
-            <a:ext cx="1609732" cy="694944"/>
-          </a:xfrm>
-          <a:prstGeom prst="rect">
-            <a:avLst/>
-          </a:prstGeom>
-          <a:solidFill>
-            <a:srgbClr val="7C9BD6"/>
-          </a:solidFill>
-          <a:ln w="25400">
-            <a:solidFill>
-              <a:schemeClr val="tx1"/>
-            </a:solidFill>
-          </a:ln>
-        </p:spPr>
-        <p:style>
-          <a:lnRef idx="2">
-            <a:schemeClr val="accent1">
-              <a:shade val="50000"/>
-            </a:schemeClr>
-          </a:lnRef>
-          <a:fillRef idx="1">
-            <a:schemeClr val="accent1"/>
-          </a:fillRef>
-          <a:effectRef idx="0">
-            <a:schemeClr val="accent1"/>
-          </a:effectRef>
-          <a:fontRef idx="minor">
-            <a:schemeClr val="lt1"/>
-          </a:fontRef>
-        </p:style>
-        <p:txBody>
-          <a:bodyPr lIns="9144" tIns="9144" rIns="9144" bIns="9144" rtlCol="0" anchor="ctr"/>
-          <a:lstStyle/>
-          <a:p>
-            <a:pPr algn="ctr"/>
-            <a:r>
-              <a:rPr lang="en-US" sz="1300" b="1" dirty="0">
-                <a:solidFill>
-                  <a:schemeClr val="tx1"/>
-                </a:solidFill>
-              </a:rPr>
-              <a:t>Memory</a:t>
-            </a:r>
-          </a:p>
-        </p:txBody>
-      </p:sp>
-      <p:sp>
-        <p:nvSpPr>
-          <p:cNvPr id="106" name="TextBox 105">
-            <a:extLst>
-              <a:ext uri="{FF2B5EF4-FFF2-40B4-BE49-F238E27FC236}">
-                <a16:creationId xmlns:a16="http://schemas.microsoft.com/office/drawing/2014/main" id="{F298B37A-FEF5-D244-A4B5-FDA282AC8F97}"/>
-              </a:ext>
-            </a:extLst>
-          </p:cNvPr>
-          <p:cNvSpPr txBox="1"/>
-          <p:nvPr/>
-        </p:nvSpPr>
-        <p:spPr>
-          <a:xfrm>
-            <a:off x="7320166" y="1830277"/>
-            <a:ext cx="723694" cy="280077"/>
-          </a:xfrm>
-          <a:prstGeom prst="rect">
-            <a:avLst/>
-          </a:prstGeom>
-          <a:noFill/>
-        </p:spPr>
-        <p:txBody>
-          <a:bodyPr wrap="square" lIns="9144" tIns="9144" rIns="9144" bIns="9144" rtlCol="0">
-            <a:spAutoFit/>
-          </a:bodyPr>
-          <a:lstStyle/>
-          <a:p>
-            <a:pPr algn="ctr"/>
-            <a:r>
-              <a:rPr lang="en-US" sz="1700" b="1" dirty="0"/>
-              <a:t>Node</a:t>
-            </a:r>
-          </a:p>
-        </p:txBody>
-      </p:sp>
-      <p:sp>
-        <p:nvSpPr>
-          <p:cNvPr id="115" name="Rectangle 114">
-            <a:extLst>
-              <a:ext uri="{FF2B5EF4-FFF2-40B4-BE49-F238E27FC236}">
-                <a16:creationId xmlns:a16="http://schemas.microsoft.com/office/drawing/2014/main" id="{BF5DD060-1028-B64D-BFA7-EA29E3106F32}"/>
-              </a:ext>
-            </a:extLst>
-          </p:cNvPr>
-          <p:cNvSpPr/>
-          <p:nvPr/>
-        </p:nvSpPr>
-        <p:spPr>
-          <a:xfrm>
-            <a:off x="4126128" y="2350833"/>
-            <a:ext cx="1051034" cy="1846821"/>
-          </a:xfrm>
-          <a:prstGeom prst="rect">
-            <a:avLst/>
-          </a:prstGeom>
-          <a:solidFill>
-            <a:srgbClr val="C3D2EC"/>
-          </a:solidFill>
-          <a:ln w="15875">
-            <a:solidFill>
-              <a:schemeClr val="tx1"/>
-            </a:solidFill>
-          </a:ln>
-        </p:spPr>
-        <p:style>
-          <a:lnRef idx="2">
-            <a:schemeClr val="accent1">
-              <a:shade val="50000"/>
-            </a:schemeClr>
-          </a:lnRef>
-          <a:fillRef idx="1">
-            <a:schemeClr val="accent1"/>
-          </a:fillRef>
-          <a:effectRef idx="0">
-            <a:schemeClr val="accent1"/>
-          </a:effectRef>
-          <a:fontRef idx="minor">
-            <a:schemeClr val="lt1"/>
-          </a:fontRef>
-        </p:style>
-        <p:txBody>
-          <a:bodyPr lIns="9144" tIns="9144" rIns="9144" bIns="9144" rtlCol="0" anchor="ctr"/>
-          <a:lstStyle/>
-          <a:p>
-            <a:pPr algn="ctr"/>
-            <a:endParaRPr lang="en-US" sz="1300" b="1" dirty="0">
+            <a:ln w="25400">
               <a:solidFill>
                 <a:schemeClr val="tx1"/>
               </a:solidFill>
-            </a:endParaRPr>
-          </a:p>
-        </p:txBody>
-      </p:sp>
-      <p:sp>
-        <p:nvSpPr>
-          <p:cNvPr id="116" name="Rectangle 115">
-            <a:extLst>
-              <a:ext uri="{FF2B5EF4-FFF2-40B4-BE49-F238E27FC236}">
-                <a16:creationId xmlns:a16="http://schemas.microsoft.com/office/drawing/2014/main" id="{5D23180C-7CF8-194B-B3F1-8A2040AB85A1}"/>
-              </a:ext>
-            </a:extLst>
-          </p:cNvPr>
-          <p:cNvSpPr/>
-          <p:nvPr/>
-        </p:nvSpPr>
-        <p:spPr>
-          <a:xfrm>
-            <a:off x="4249213" y="3502575"/>
-            <a:ext cx="402435" cy="304800"/>
-          </a:xfrm>
-          <a:prstGeom prst="rect">
-            <a:avLst/>
-          </a:prstGeom>
-          <a:solidFill>
-            <a:srgbClr val="7C9BD6"/>
-          </a:solidFill>
-          <a:ln w="25400">
+            </a:ln>
+          </p:spPr>
+          <p:style>
+            <a:lnRef idx="2">
+              <a:schemeClr val="accent1">
+                <a:shade val="50000"/>
+              </a:schemeClr>
+            </a:lnRef>
+            <a:fillRef idx="1">
+              <a:schemeClr val="accent1"/>
+            </a:fillRef>
+            <a:effectRef idx="0">
+              <a:schemeClr val="accent1"/>
+            </a:effectRef>
+            <a:fontRef idx="minor">
+              <a:schemeClr val="lt1"/>
+            </a:fontRef>
+          </p:style>
+          <p:txBody>
+            <a:bodyPr lIns="9144" tIns="9144" rIns="9144" bIns="9144" rtlCol="0" anchor="ctr"/>
+            <a:lstStyle/>
+            <a:p>
+              <a:pPr algn="ctr"/>
+              <a:r>
+                <a:rPr lang="en-US" sz="1300" b="1" dirty="0">
+                  <a:solidFill>
+                    <a:schemeClr val="tx1"/>
+                  </a:solidFill>
+                </a:rPr>
+                <a:t>Core</a:t>
+              </a:r>
+            </a:p>
+          </p:txBody>
+        </p:sp>
+        <p:sp>
+          <p:nvSpPr>
+            <p:cNvPr id="117" name="Rectangle 116">
+              <a:extLst>
+                <a:ext uri="{FF2B5EF4-FFF2-40B4-BE49-F238E27FC236}">
+                  <a16:creationId xmlns:a16="http://schemas.microsoft.com/office/drawing/2014/main" id="{56E512A7-6E33-3149-BB0F-A7EB477AEAD9}"/>
+                </a:ext>
+              </a:extLst>
+            </p:cNvPr>
+            <p:cNvSpPr/>
+            <p:nvPr/>
+          </p:nvSpPr>
+          <p:spPr>
+            <a:xfrm>
+              <a:off x="4651648" y="3502576"/>
+              <a:ext cx="402435" cy="304800"/>
+            </a:xfrm>
+            <a:prstGeom prst="rect">
+              <a:avLst/>
+            </a:prstGeom>
             <a:solidFill>
+              <a:srgbClr val="7C9BD6"/>
+            </a:solidFill>
+            <a:ln w="25400">
+              <a:solidFill>
+                <a:schemeClr val="tx1"/>
+              </a:solidFill>
+            </a:ln>
+          </p:spPr>
+          <p:style>
+            <a:lnRef idx="2">
+              <a:schemeClr val="accent1">
+                <a:shade val="50000"/>
+              </a:schemeClr>
+            </a:lnRef>
+            <a:fillRef idx="1">
+              <a:schemeClr val="accent1"/>
+            </a:fillRef>
+            <a:effectRef idx="0">
+              <a:schemeClr val="accent1"/>
+            </a:effectRef>
+            <a:fontRef idx="minor">
+              <a:schemeClr val="lt1"/>
+            </a:fontRef>
+          </p:style>
+          <p:txBody>
+            <a:bodyPr lIns="9144" tIns="9144" rIns="9144" bIns="9144" rtlCol="0" anchor="ctr"/>
+            <a:lstStyle/>
+            <a:p>
+              <a:pPr algn="ctr"/>
+              <a:r>
+                <a:rPr lang="en-US" sz="1300" b="1" dirty="0">
+                  <a:solidFill>
+                    <a:schemeClr val="tx1"/>
+                  </a:solidFill>
+                </a:rPr>
+                <a:t>Core</a:t>
+              </a:r>
+            </a:p>
+          </p:txBody>
+        </p:sp>
+        <p:sp>
+          <p:nvSpPr>
+            <p:cNvPr id="118" name="Rectangle 117">
+              <a:extLst>
+                <a:ext uri="{FF2B5EF4-FFF2-40B4-BE49-F238E27FC236}">
+                  <a16:creationId xmlns:a16="http://schemas.microsoft.com/office/drawing/2014/main" id="{97829463-0C7B-7C47-AF94-820D2BE0F081}"/>
+                </a:ext>
+              </a:extLst>
+            </p:cNvPr>
+            <p:cNvSpPr/>
+            <p:nvPr/>
+          </p:nvSpPr>
+          <p:spPr>
+            <a:xfrm>
+              <a:off x="4249212" y="3812631"/>
+              <a:ext cx="402435" cy="304800"/>
+            </a:xfrm>
+            <a:prstGeom prst="rect">
+              <a:avLst/>
+            </a:prstGeom>
+            <a:solidFill>
+              <a:srgbClr val="7C9BD6"/>
+            </a:solidFill>
+            <a:ln w="25400">
+              <a:solidFill>
+                <a:schemeClr val="tx1"/>
+              </a:solidFill>
+            </a:ln>
+          </p:spPr>
+          <p:style>
+            <a:lnRef idx="2">
+              <a:schemeClr val="accent1">
+                <a:shade val="50000"/>
+              </a:schemeClr>
+            </a:lnRef>
+            <a:fillRef idx="1">
+              <a:schemeClr val="accent1"/>
+            </a:fillRef>
+            <a:effectRef idx="0">
+              <a:schemeClr val="accent1"/>
+            </a:effectRef>
+            <a:fontRef idx="minor">
+              <a:schemeClr val="lt1"/>
+            </a:fontRef>
+          </p:style>
+          <p:txBody>
+            <a:bodyPr lIns="9144" tIns="9144" rIns="9144" bIns="9144" rtlCol="0" anchor="ctr"/>
+            <a:lstStyle/>
+            <a:p>
+              <a:pPr algn="ctr"/>
+              <a:r>
+                <a:rPr lang="en-US" sz="1300" b="1" dirty="0">
+                  <a:solidFill>
+                    <a:schemeClr val="tx1"/>
+                  </a:solidFill>
+                </a:rPr>
+                <a:t>Core</a:t>
+              </a:r>
+            </a:p>
+          </p:txBody>
+        </p:sp>
+        <p:sp>
+          <p:nvSpPr>
+            <p:cNvPr id="119" name="Rectangle 118">
+              <a:extLst>
+                <a:ext uri="{FF2B5EF4-FFF2-40B4-BE49-F238E27FC236}">
+                  <a16:creationId xmlns:a16="http://schemas.microsoft.com/office/drawing/2014/main" id="{94C857B2-938E-464E-A8B7-8A4EFDED4722}"/>
+                </a:ext>
+              </a:extLst>
+            </p:cNvPr>
+            <p:cNvSpPr/>
+            <p:nvPr/>
+          </p:nvSpPr>
+          <p:spPr>
+            <a:xfrm>
+              <a:off x="4651647" y="3812631"/>
+              <a:ext cx="402435" cy="304800"/>
+            </a:xfrm>
+            <a:prstGeom prst="rect">
+              <a:avLst/>
+            </a:prstGeom>
+            <a:solidFill>
+              <a:srgbClr val="7C9BD6"/>
+            </a:solidFill>
+            <a:ln w="25400">
+              <a:solidFill>
+                <a:schemeClr val="tx1"/>
+              </a:solidFill>
+            </a:ln>
+          </p:spPr>
+          <p:style>
+            <a:lnRef idx="2">
+              <a:schemeClr val="accent1">
+                <a:shade val="50000"/>
+              </a:schemeClr>
+            </a:lnRef>
+            <a:fillRef idx="1">
+              <a:schemeClr val="accent1"/>
+            </a:fillRef>
+            <a:effectRef idx="0">
+              <a:schemeClr val="accent1"/>
+            </a:effectRef>
+            <a:fontRef idx="minor">
+              <a:schemeClr val="lt1"/>
+            </a:fontRef>
+          </p:style>
+          <p:txBody>
+            <a:bodyPr lIns="9144" tIns="9144" rIns="9144" bIns="9144" rtlCol="0" anchor="ctr"/>
+            <a:lstStyle/>
+            <a:p>
+              <a:pPr algn="ctr"/>
+              <a:r>
+                <a:rPr lang="en-US" sz="1300" b="1" dirty="0">
+                  <a:solidFill>
+                    <a:schemeClr val="tx1"/>
+                  </a:solidFill>
+                </a:rPr>
+                <a:t>Core</a:t>
+              </a:r>
+            </a:p>
+          </p:txBody>
+        </p:sp>
+        <p:cxnSp>
+          <p:nvCxnSpPr>
+            <p:cNvPr id="120" name="Straight Arrow Connector 119">
+              <a:extLst>
+                <a:ext uri="{FF2B5EF4-FFF2-40B4-BE49-F238E27FC236}">
+                  <a16:creationId xmlns:a16="http://schemas.microsoft.com/office/drawing/2014/main" id="{8CCA6FF5-F50E-2D4B-B8F8-754B425BB9E9}"/>
+                </a:ext>
+              </a:extLst>
+            </p:cNvPr>
+            <p:cNvCxnSpPr>
+              <a:cxnSpLocks/>
+            </p:cNvCxnSpPr>
+            <p:nvPr/>
+          </p:nvCxnSpPr>
+          <p:spPr>
+            <a:xfrm>
+              <a:off x="4651647" y="3082161"/>
+              <a:ext cx="0" cy="380308"/>
+            </a:xfrm>
+            <a:prstGeom prst="straightConnector1">
+              <a:avLst/>
+            </a:prstGeom>
+            <a:ln w="19050">
+              <a:solidFill>
+                <a:schemeClr val="tx1"/>
+              </a:solidFill>
+              <a:headEnd type="triangle" w="med" len="med"/>
+              <a:tailEnd type="triangle"/>
+            </a:ln>
+          </p:spPr>
+          <p:style>
+            <a:lnRef idx="1">
+              <a:schemeClr val="accent1"/>
+            </a:lnRef>
+            <a:fillRef idx="0">
+              <a:schemeClr val="accent1"/>
+            </a:fillRef>
+            <a:effectRef idx="0">
+              <a:schemeClr val="accent1"/>
+            </a:effectRef>
+            <a:fontRef idx="minor">
               <a:schemeClr val="tx1"/>
+            </a:fontRef>
+          </p:style>
+        </p:cxnSp>
+        <p:sp>
+          <p:nvSpPr>
+            <p:cNvPr id="121" name="Rectangle 120">
+              <a:extLst>
+                <a:ext uri="{FF2B5EF4-FFF2-40B4-BE49-F238E27FC236}">
+                  <a16:creationId xmlns:a16="http://schemas.microsoft.com/office/drawing/2014/main" id="{D9D0850A-BBEB-7F4A-B2DF-F7128DEFC6CB}"/>
+                </a:ext>
+              </a:extLst>
+            </p:cNvPr>
+            <p:cNvSpPr/>
+            <p:nvPr/>
+          </p:nvSpPr>
+          <p:spPr>
+            <a:xfrm>
+              <a:off x="4249212" y="2682769"/>
+              <a:ext cx="804866" cy="347472"/>
+            </a:xfrm>
+            <a:prstGeom prst="rect">
+              <a:avLst/>
+            </a:prstGeom>
+            <a:solidFill>
+              <a:srgbClr val="7C9BD6"/>
             </a:solidFill>
-          </a:ln>
-        </p:spPr>
-        <p:style>
-          <a:lnRef idx="2">
-            <a:schemeClr val="accent1">
-              <a:shade val="50000"/>
-            </a:schemeClr>
-          </a:lnRef>
-          <a:fillRef idx="1">
-            <a:schemeClr val="accent1"/>
-          </a:fillRef>
-          <a:effectRef idx="0">
-            <a:schemeClr val="accent1"/>
-          </a:effectRef>
-          <a:fontRef idx="minor">
-            <a:schemeClr val="lt1"/>
-          </a:fontRef>
-        </p:style>
-        <p:txBody>
-          <a:bodyPr lIns="9144" tIns="9144" rIns="9144" bIns="9144" rtlCol="0" anchor="ctr"/>
-          <a:lstStyle/>
-          <a:p>
-            <a:pPr algn="ctr"/>
-            <a:r>
-              <a:rPr lang="en-US" sz="1300" b="1" dirty="0">
-                <a:solidFill>
-                  <a:schemeClr val="tx1"/>
-                </a:solidFill>
-              </a:rPr>
-              <a:t>Core</a:t>
-            </a:r>
-          </a:p>
-        </p:txBody>
-      </p:sp>
-      <p:sp>
-        <p:nvSpPr>
-          <p:cNvPr id="117" name="Rectangle 116">
-            <a:extLst>
-              <a:ext uri="{FF2B5EF4-FFF2-40B4-BE49-F238E27FC236}">
-                <a16:creationId xmlns:a16="http://schemas.microsoft.com/office/drawing/2014/main" id="{56E512A7-6E33-3149-BB0F-A7EB477AEAD9}"/>
-              </a:ext>
-            </a:extLst>
-          </p:cNvPr>
-          <p:cNvSpPr/>
-          <p:nvPr/>
-        </p:nvSpPr>
-        <p:spPr>
-          <a:xfrm>
-            <a:off x="4651648" y="3502576"/>
-            <a:ext cx="402435" cy="304800"/>
-          </a:xfrm>
-          <a:prstGeom prst="rect">
-            <a:avLst/>
-          </a:prstGeom>
-          <a:solidFill>
-            <a:srgbClr val="7C9BD6"/>
-          </a:solidFill>
-          <a:ln w="25400">
-            <a:solidFill>
-              <a:schemeClr val="tx1"/>
-            </a:solidFill>
-          </a:ln>
-        </p:spPr>
-        <p:style>
-          <a:lnRef idx="2">
-            <a:schemeClr val="accent1">
-              <a:shade val="50000"/>
-            </a:schemeClr>
-          </a:lnRef>
-          <a:fillRef idx="1">
-            <a:schemeClr val="accent1"/>
-          </a:fillRef>
-          <a:effectRef idx="0">
-            <a:schemeClr val="accent1"/>
-          </a:effectRef>
-          <a:fontRef idx="minor">
-            <a:schemeClr val="lt1"/>
-          </a:fontRef>
-        </p:style>
-        <p:txBody>
-          <a:bodyPr lIns="9144" tIns="9144" rIns="9144" bIns="9144" rtlCol="0" anchor="ctr"/>
-          <a:lstStyle/>
-          <a:p>
-            <a:pPr algn="ctr"/>
-            <a:r>
-              <a:rPr lang="en-US" sz="1300" b="1" dirty="0">
-                <a:solidFill>
-                  <a:schemeClr val="tx1"/>
-                </a:solidFill>
-              </a:rPr>
-              <a:t>Core</a:t>
-            </a:r>
-          </a:p>
-        </p:txBody>
-      </p:sp>
-      <p:sp>
-        <p:nvSpPr>
-          <p:cNvPr id="118" name="Rectangle 117">
-            <a:extLst>
-              <a:ext uri="{FF2B5EF4-FFF2-40B4-BE49-F238E27FC236}">
-                <a16:creationId xmlns:a16="http://schemas.microsoft.com/office/drawing/2014/main" id="{97829463-0C7B-7C47-AF94-820D2BE0F081}"/>
-              </a:ext>
-            </a:extLst>
-          </p:cNvPr>
-          <p:cNvSpPr/>
-          <p:nvPr/>
-        </p:nvSpPr>
-        <p:spPr>
-          <a:xfrm>
-            <a:off x="4249212" y="3812631"/>
-            <a:ext cx="402435" cy="304800"/>
-          </a:xfrm>
-          <a:prstGeom prst="rect">
-            <a:avLst/>
-          </a:prstGeom>
-          <a:solidFill>
-            <a:srgbClr val="7C9BD6"/>
-          </a:solidFill>
-          <a:ln w="25400">
-            <a:solidFill>
-              <a:schemeClr val="tx1"/>
-            </a:solidFill>
-          </a:ln>
-        </p:spPr>
-        <p:style>
-          <a:lnRef idx="2">
-            <a:schemeClr val="accent1">
-              <a:shade val="50000"/>
-            </a:schemeClr>
-          </a:lnRef>
-          <a:fillRef idx="1">
-            <a:schemeClr val="accent1"/>
-          </a:fillRef>
-          <a:effectRef idx="0">
-            <a:schemeClr val="accent1"/>
-          </a:effectRef>
-          <a:fontRef idx="minor">
-            <a:schemeClr val="lt1"/>
-          </a:fontRef>
-        </p:style>
-        <p:txBody>
-          <a:bodyPr lIns="9144" tIns="9144" rIns="9144" bIns="9144" rtlCol="0" anchor="ctr"/>
-          <a:lstStyle/>
-          <a:p>
-            <a:pPr algn="ctr"/>
-            <a:r>
-              <a:rPr lang="en-US" sz="1300" b="1" dirty="0">
-                <a:solidFill>
-                  <a:schemeClr val="tx1"/>
-                </a:solidFill>
-              </a:rPr>
-              <a:t>Core</a:t>
-            </a:r>
-          </a:p>
-        </p:txBody>
-      </p:sp>
-      <p:sp>
-        <p:nvSpPr>
-          <p:cNvPr id="119" name="Rectangle 118">
-            <a:extLst>
-              <a:ext uri="{FF2B5EF4-FFF2-40B4-BE49-F238E27FC236}">
-                <a16:creationId xmlns:a16="http://schemas.microsoft.com/office/drawing/2014/main" id="{94C857B2-938E-464E-A8B7-8A4EFDED4722}"/>
-              </a:ext>
-            </a:extLst>
-          </p:cNvPr>
-          <p:cNvSpPr/>
-          <p:nvPr/>
-        </p:nvSpPr>
-        <p:spPr>
-          <a:xfrm>
-            <a:off x="4651647" y="3812631"/>
-            <a:ext cx="402435" cy="304800"/>
-          </a:xfrm>
-          <a:prstGeom prst="rect">
-            <a:avLst/>
-          </a:prstGeom>
-          <a:solidFill>
-            <a:srgbClr val="7C9BD6"/>
-          </a:solidFill>
-          <a:ln w="25400">
-            <a:solidFill>
-              <a:schemeClr val="tx1"/>
-            </a:solidFill>
-          </a:ln>
-        </p:spPr>
-        <p:style>
-          <a:lnRef idx="2">
-            <a:schemeClr val="accent1">
-              <a:shade val="50000"/>
-            </a:schemeClr>
-          </a:lnRef>
-          <a:fillRef idx="1">
-            <a:schemeClr val="accent1"/>
-          </a:fillRef>
-          <a:effectRef idx="0">
-            <a:schemeClr val="accent1"/>
-          </a:effectRef>
-          <a:fontRef idx="minor">
-            <a:schemeClr val="lt1"/>
-          </a:fontRef>
-        </p:style>
-        <p:txBody>
-          <a:bodyPr lIns="9144" tIns="9144" rIns="9144" bIns="9144" rtlCol="0" anchor="ctr"/>
-          <a:lstStyle/>
-          <a:p>
-            <a:pPr algn="ctr"/>
-            <a:r>
-              <a:rPr lang="en-US" sz="1300" b="1" dirty="0">
-                <a:solidFill>
-                  <a:schemeClr val="tx1"/>
-                </a:solidFill>
-              </a:rPr>
-              <a:t>Core</a:t>
-            </a:r>
-          </a:p>
-        </p:txBody>
-      </p:sp>
-      <p:cxnSp>
-        <p:nvCxnSpPr>
-          <p:cNvPr id="120" name="Straight Arrow Connector 119">
-            <a:extLst>
-              <a:ext uri="{FF2B5EF4-FFF2-40B4-BE49-F238E27FC236}">
-                <a16:creationId xmlns:a16="http://schemas.microsoft.com/office/drawing/2014/main" id="{8CCA6FF5-F50E-2D4B-B8F8-754B425BB9E9}"/>
-              </a:ext>
-            </a:extLst>
-          </p:cNvPr>
-          <p:cNvCxnSpPr>
-            <a:cxnSpLocks/>
-          </p:cNvCxnSpPr>
-          <p:nvPr/>
-        </p:nvCxnSpPr>
-        <p:spPr>
-          <a:xfrm>
-            <a:off x="4651647" y="3082161"/>
-            <a:ext cx="0" cy="380308"/>
-          </a:xfrm>
-          <a:prstGeom prst="straightConnector1">
-            <a:avLst/>
-          </a:prstGeom>
-          <a:ln w="19050">
-            <a:solidFill>
-              <a:schemeClr val="tx1"/>
-            </a:solidFill>
-            <a:headEnd type="triangle" w="med" len="med"/>
-            <a:tailEnd type="triangle"/>
-          </a:ln>
-        </p:spPr>
-        <p:style>
-          <a:lnRef idx="1">
-            <a:schemeClr val="accent1"/>
-          </a:lnRef>
-          <a:fillRef idx="0">
-            <a:schemeClr val="accent1"/>
-          </a:fillRef>
-          <a:effectRef idx="0">
-            <a:schemeClr val="accent1"/>
-          </a:effectRef>
-          <a:fontRef idx="minor">
-            <a:schemeClr val="tx1"/>
-          </a:fontRef>
-        </p:style>
-      </p:cxnSp>
-      <p:sp>
-        <p:nvSpPr>
-          <p:cNvPr id="121" name="Rectangle 120">
-            <a:extLst>
-              <a:ext uri="{FF2B5EF4-FFF2-40B4-BE49-F238E27FC236}">
-                <a16:creationId xmlns:a16="http://schemas.microsoft.com/office/drawing/2014/main" id="{D9D0850A-BBEB-7F4A-B2DF-F7128DEFC6CB}"/>
-              </a:ext>
-            </a:extLst>
-          </p:cNvPr>
-          <p:cNvSpPr/>
-          <p:nvPr/>
-        </p:nvSpPr>
-        <p:spPr>
-          <a:xfrm>
-            <a:off x="4249212" y="2682769"/>
-            <a:ext cx="804866" cy="347472"/>
-          </a:xfrm>
-          <a:prstGeom prst="rect">
-            <a:avLst/>
-          </a:prstGeom>
-          <a:solidFill>
-            <a:srgbClr val="7C9BD6"/>
-          </a:solidFill>
-          <a:ln w="25400">
-            <a:solidFill>
-              <a:schemeClr val="tx1"/>
-            </a:solidFill>
-          </a:ln>
-        </p:spPr>
-        <p:style>
-          <a:lnRef idx="2">
-            <a:schemeClr val="accent1">
-              <a:shade val="50000"/>
-            </a:schemeClr>
-          </a:lnRef>
-          <a:fillRef idx="1">
-            <a:schemeClr val="accent1"/>
-          </a:fillRef>
-          <a:effectRef idx="0">
-            <a:schemeClr val="accent1"/>
-          </a:effectRef>
-          <a:fontRef idx="minor">
-            <a:schemeClr val="lt1"/>
-          </a:fontRef>
-        </p:style>
-        <p:txBody>
-          <a:bodyPr lIns="9144" tIns="9144" rIns="9144" bIns="9144" rtlCol="0" anchor="ctr"/>
-          <a:lstStyle/>
-          <a:p>
-            <a:pPr algn="ctr"/>
-            <a:r>
-              <a:rPr lang="en-US" sz="1300" b="1" dirty="0">
-                <a:solidFill>
-                  <a:schemeClr val="tx1"/>
-                </a:solidFill>
-              </a:rPr>
-              <a:t>Memory</a:t>
-            </a:r>
-          </a:p>
-        </p:txBody>
-      </p:sp>
-      <p:sp>
-        <p:nvSpPr>
-          <p:cNvPr id="122" name="TextBox 121">
-            <a:extLst>
-              <a:ext uri="{FF2B5EF4-FFF2-40B4-BE49-F238E27FC236}">
-                <a16:creationId xmlns:a16="http://schemas.microsoft.com/office/drawing/2014/main" id="{EC7EE7EA-3AED-094C-9289-9E27AC4673B0}"/>
-              </a:ext>
-            </a:extLst>
-          </p:cNvPr>
-          <p:cNvSpPr txBox="1"/>
-          <p:nvPr/>
-        </p:nvSpPr>
-        <p:spPr>
-          <a:xfrm>
-            <a:off x="4289800" y="2361343"/>
-            <a:ext cx="723694" cy="280077"/>
-          </a:xfrm>
-          <a:prstGeom prst="rect">
-            <a:avLst/>
-          </a:prstGeom>
-          <a:noFill/>
-        </p:spPr>
-        <p:txBody>
-          <a:bodyPr wrap="square" lIns="9144" tIns="9144" rIns="9144" bIns="9144" rtlCol="0">
-            <a:spAutoFit/>
-          </a:bodyPr>
-          <a:lstStyle/>
-          <a:p>
-            <a:pPr algn="ctr"/>
-            <a:r>
-              <a:rPr lang="en-US" sz="1700" b="1" dirty="0"/>
-              <a:t>Node</a:t>
-            </a:r>
-          </a:p>
-        </p:txBody>
-      </p:sp>
-      <p:sp>
-        <p:nvSpPr>
-          <p:cNvPr id="123" name="TextBox 122">
-            <a:extLst>
-              <a:ext uri="{FF2B5EF4-FFF2-40B4-BE49-F238E27FC236}">
-                <a16:creationId xmlns:a16="http://schemas.microsoft.com/office/drawing/2014/main" id="{58170E06-D85D-164F-B023-EBF2F55354CC}"/>
-              </a:ext>
-            </a:extLst>
-          </p:cNvPr>
-          <p:cNvSpPr txBox="1"/>
-          <p:nvPr/>
-        </p:nvSpPr>
-        <p:spPr>
-          <a:xfrm>
-            <a:off x="4033054" y="4330357"/>
-            <a:ext cx="1237182" cy="249299"/>
-          </a:xfrm>
-          <a:prstGeom prst="rect">
-            <a:avLst/>
-          </a:prstGeom>
-          <a:noFill/>
-        </p:spPr>
-        <p:txBody>
-          <a:bodyPr wrap="square" lIns="9144" tIns="9144" rIns="9144" bIns="9144" rtlCol="0">
-            <a:spAutoFit/>
-          </a:bodyPr>
-          <a:lstStyle/>
-          <a:p>
-            <a:pPr algn="ctr"/>
-            <a:r>
-              <a:rPr lang="en-US" sz="1500" dirty="0"/>
-              <a:t>Local Machine</a:t>
-            </a:r>
-          </a:p>
-        </p:txBody>
-      </p:sp>
-      <p:sp>
-        <p:nvSpPr>
-          <p:cNvPr id="3" name="Right Arrow 2">
-            <a:extLst>
-              <a:ext uri="{FF2B5EF4-FFF2-40B4-BE49-F238E27FC236}">
-                <a16:creationId xmlns:a16="http://schemas.microsoft.com/office/drawing/2014/main" id="{D98B35C5-5BDF-D446-8DBA-EB9D512B5F16}"/>
-              </a:ext>
-            </a:extLst>
-          </p:cNvPr>
-          <p:cNvSpPr/>
-          <p:nvPr/>
-        </p:nvSpPr>
-        <p:spPr>
-          <a:xfrm>
-            <a:off x="5513689" y="2991880"/>
-            <a:ext cx="905099" cy="607278"/>
-          </a:xfrm>
-          <a:prstGeom prst="rightArrow">
-            <a:avLst/>
-          </a:prstGeom>
-        </p:spPr>
-        <p:style>
-          <a:lnRef idx="2">
-            <a:schemeClr val="accent1">
-              <a:shade val="50000"/>
-            </a:schemeClr>
-          </a:lnRef>
-          <a:fillRef idx="1">
-            <a:schemeClr val="accent1"/>
-          </a:fillRef>
-          <a:effectRef idx="0">
-            <a:schemeClr val="accent1"/>
-          </a:effectRef>
-          <a:fontRef idx="minor">
-            <a:schemeClr val="lt1"/>
-          </a:fontRef>
-        </p:style>
-        <p:txBody>
-          <a:bodyPr rtlCol="0" anchor="ctr"/>
-          <a:lstStyle/>
-          <a:p>
-            <a:pPr algn="ctr"/>
-            <a:endParaRPr lang="en-US"/>
-          </a:p>
-        </p:txBody>
-      </p:sp>
+            <a:ln w="25400">
+              <a:solidFill>
+                <a:schemeClr val="tx1"/>
+              </a:solidFill>
+            </a:ln>
+          </p:spPr>
+          <p:style>
+            <a:lnRef idx="2">
+              <a:schemeClr val="accent1">
+                <a:shade val="50000"/>
+              </a:schemeClr>
+            </a:lnRef>
+            <a:fillRef idx="1">
+              <a:schemeClr val="accent1"/>
+            </a:fillRef>
+            <a:effectRef idx="0">
+              <a:schemeClr val="accent1"/>
+            </a:effectRef>
+            <a:fontRef idx="minor">
+              <a:schemeClr val="lt1"/>
+            </a:fontRef>
+          </p:style>
+          <p:txBody>
+            <a:bodyPr lIns="9144" tIns="9144" rIns="9144" bIns="9144" rtlCol="0" anchor="ctr"/>
+            <a:lstStyle/>
+            <a:p>
+              <a:pPr algn="ctr"/>
+              <a:r>
+                <a:rPr lang="en-US" sz="1300" b="1" dirty="0">
+                  <a:solidFill>
+                    <a:schemeClr val="tx1"/>
+                  </a:solidFill>
+                </a:rPr>
+                <a:t>Memory</a:t>
+              </a:r>
+            </a:p>
+          </p:txBody>
+        </p:sp>
+        <p:sp>
+          <p:nvSpPr>
+            <p:cNvPr id="122" name="TextBox 121">
+              <a:extLst>
+                <a:ext uri="{FF2B5EF4-FFF2-40B4-BE49-F238E27FC236}">
+                  <a16:creationId xmlns:a16="http://schemas.microsoft.com/office/drawing/2014/main" id="{EC7EE7EA-3AED-094C-9289-9E27AC4673B0}"/>
+                </a:ext>
+              </a:extLst>
+            </p:cNvPr>
+            <p:cNvSpPr txBox="1"/>
+            <p:nvPr/>
+          </p:nvSpPr>
+          <p:spPr>
+            <a:xfrm>
+              <a:off x="4289800" y="2361343"/>
+              <a:ext cx="723694" cy="280077"/>
+            </a:xfrm>
+            <a:prstGeom prst="rect">
+              <a:avLst/>
+            </a:prstGeom>
+            <a:noFill/>
+          </p:spPr>
+          <p:txBody>
+            <a:bodyPr wrap="square" lIns="9144" tIns="9144" rIns="9144" bIns="9144" rtlCol="0">
+              <a:spAutoFit/>
+            </a:bodyPr>
+            <a:lstStyle/>
+            <a:p>
+              <a:pPr algn="ctr"/>
+              <a:r>
+                <a:rPr lang="en-US" sz="1700" b="1" dirty="0"/>
+                <a:t>Node</a:t>
+              </a:r>
+            </a:p>
+          </p:txBody>
+        </p:sp>
+        <p:sp>
+          <p:nvSpPr>
+            <p:cNvPr id="123" name="TextBox 122">
+              <a:extLst>
+                <a:ext uri="{FF2B5EF4-FFF2-40B4-BE49-F238E27FC236}">
+                  <a16:creationId xmlns:a16="http://schemas.microsoft.com/office/drawing/2014/main" id="{58170E06-D85D-164F-B023-EBF2F55354CC}"/>
+                </a:ext>
+              </a:extLst>
+            </p:cNvPr>
+            <p:cNvSpPr txBox="1"/>
+            <p:nvPr/>
+          </p:nvSpPr>
+          <p:spPr>
+            <a:xfrm>
+              <a:off x="4033054" y="4330357"/>
+              <a:ext cx="1237182" cy="249299"/>
+            </a:xfrm>
+            <a:prstGeom prst="rect">
+              <a:avLst/>
+            </a:prstGeom>
+            <a:noFill/>
+          </p:spPr>
+          <p:txBody>
+            <a:bodyPr wrap="square" lIns="9144" tIns="9144" rIns="9144" bIns="9144" rtlCol="0">
+              <a:spAutoFit/>
+            </a:bodyPr>
+            <a:lstStyle/>
+            <a:p>
+              <a:pPr algn="ctr"/>
+              <a:r>
+                <a:rPr lang="en-US" sz="1500" dirty="0"/>
+                <a:t>Local Machine</a:t>
+              </a:r>
+            </a:p>
+          </p:txBody>
+        </p:sp>
+        <p:sp>
+          <p:nvSpPr>
+            <p:cNvPr id="3" name="Right Arrow 2">
+              <a:extLst>
+                <a:ext uri="{FF2B5EF4-FFF2-40B4-BE49-F238E27FC236}">
+                  <a16:creationId xmlns:a16="http://schemas.microsoft.com/office/drawing/2014/main" id="{D98B35C5-5BDF-D446-8DBA-EB9D512B5F16}"/>
+                </a:ext>
+              </a:extLst>
+            </p:cNvPr>
+            <p:cNvSpPr/>
+            <p:nvPr/>
+          </p:nvSpPr>
+          <p:spPr>
+            <a:xfrm>
+              <a:off x="5513689" y="2991880"/>
+              <a:ext cx="905099" cy="607278"/>
+            </a:xfrm>
+            <a:prstGeom prst="rightArrow">
+              <a:avLst/>
+            </a:prstGeom>
+          </p:spPr>
+          <p:style>
+            <a:lnRef idx="2">
+              <a:schemeClr val="accent1">
+                <a:shade val="50000"/>
+              </a:schemeClr>
+            </a:lnRef>
+            <a:fillRef idx="1">
+              <a:schemeClr val="accent1"/>
+            </a:fillRef>
+            <a:effectRef idx="0">
+              <a:schemeClr val="accent1"/>
+            </a:effectRef>
+            <a:fontRef idx="minor">
+              <a:schemeClr val="lt1"/>
+            </a:fontRef>
+          </p:style>
+          <p:txBody>
+            <a:bodyPr rtlCol="0" anchor="ctr"/>
+            <a:lstStyle/>
+            <a:p>
+              <a:pPr algn="ctr"/>
+              <a:endParaRPr lang="en-US"/>
+            </a:p>
+          </p:txBody>
+        </p:sp>
+      </p:grpSp>
     </p:spTree>
     <p:extLst>
       <p:ext uri="{BB962C8B-B14F-4D97-AF65-F5344CB8AC3E}">
